--- a/Presentation.pptx
+++ b/Presentation.pptx
@@ -5,10 +5,10 @@
     <p:sldMasterId id="2147483648" r:id="rId1"/>
   </p:sldMasterIdLst>
   <p:notesMasterIdLst>
-    <p:notesMasterId r:id="rId11"/>
+    <p:notesMasterId r:id="rId14"/>
   </p:notesMasterIdLst>
   <p:handoutMasterIdLst>
-    <p:handoutMasterId r:id="rId12"/>
+    <p:handoutMasterId r:id="rId15"/>
   </p:handoutMasterIdLst>
   <p:sldIdLst>
     <p:sldId id="256" r:id="rId2"/>
@@ -17,9 +17,12 @@
     <p:sldId id="259" r:id="rId5"/>
     <p:sldId id="260" r:id="rId6"/>
     <p:sldId id="261" r:id="rId7"/>
-    <p:sldId id="262" r:id="rId8"/>
-    <p:sldId id="263" r:id="rId9"/>
-    <p:sldId id="264" r:id="rId10"/>
+    <p:sldId id="266" r:id="rId8"/>
+    <p:sldId id="265" r:id="rId9"/>
+    <p:sldId id="267" r:id="rId10"/>
+    <p:sldId id="262" r:id="rId11"/>
+    <p:sldId id="263" r:id="rId12"/>
+    <p:sldId id="264" r:id="rId13"/>
   </p:sldIdLst>
   <p:sldSz cx="12192000" cy="6858000"/>
   <p:notesSz cx="6858000" cy="9144000"/>
@@ -4121,6 +4124,437 @@
 </p:sld>
 </file>
 
+<file path=ppt/slides/slide10.xml><?xml version="1.0" encoding="utf-8"?>
+<p:sld xmlns:a="http://schemas.openxmlformats.org/drawingml/2006/main" xmlns:r="http://schemas.openxmlformats.org/officeDocument/2006/relationships" xmlns:p="http://schemas.openxmlformats.org/presentationml/2006/main">
+  <p:cSld>
+    <p:spTree>
+      <p:nvGrpSpPr>
+        <p:cNvPr id="1" name=""/>
+        <p:cNvGrpSpPr/>
+        <p:nvPr/>
+      </p:nvGrpSpPr>
+      <p:grpSpPr>
+        <a:xfrm>
+          <a:off x="0" y="0"/>
+          <a:ext cx="0" cy="0"/>
+          <a:chOff x="0" y="0"/>
+          <a:chExt cx="0" cy="0"/>
+        </a:xfrm>
+      </p:grpSpPr>
+      <p:sp>
+        <p:nvSpPr>
+          <p:cNvPr id="2" name="Title 1">
+            <a:extLst>
+              <a:ext uri="{FF2B5EF4-FFF2-40B4-BE49-F238E27FC236}">
+                <a16:creationId xmlns:a16="http://schemas.microsoft.com/office/drawing/2014/main" id="{18C3B658-69C8-794E-B749-02FAA80AFE73}"/>
+              </a:ext>
+            </a:extLst>
+          </p:cNvPr>
+          <p:cNvSpPr>
+            <a:spLocks noGrp="1"/>
+          </p:cNvSpPr>
+          <p:nvPr>
+            <p:ph type="title"/>
+          </p:nvPr>
+        </p:nvSpPr>
+        <p:spPr/>
+        <p:txBody>
+          <a:bodyPr/>
+          <a:lstStyle/>
+          <a:p>
+            <a:r>
+              <a:rPr lang="en-US" dirty="0"/>
+              <a:t>Post-Mortem</a:t>
+            </a:r>
+          </a:p>
+        </p:txBody>
+      </p:sp>
+      <p:sp>
+        <p:nvSpPr>
+          <p:cNvPr id="3" name="Content Placeholder 2">
+            <a:extLst>
+              <a:ext uri="{FF2B5EF4-FFF2-40B4-BE49-F238E27FC236}">
+                <a16:creationId xmlns:a16="http://schemas.microsoft.com/office/drawing/2014/main" id="{A0AE2227-B8E4-D247-BF72-0B12CFC1E7D7}"/>
+              </a:ext>
+            </a:extLst>
+          </p:cNvPr>
+          <p:cNvSpPr>
+            <a:spLocks noGrp="1"/>
+          </p:cNvSpPr>
+          <p:nvPr>
+            <p:ph idx="1"/>
+          </p:nvPr>
+        </p:nvSpPr>
+        <p:spPr/>
+        <p:txBody>
+          <a:bodyPr/>
+          <a:lstStyle/>
+          <a:p>
+            <a:pPr marL="0" indent="0">
+              <a:buNone/>
+            </a:pPr>
+            <a:r>
+              <a:rPr lang="en-US" dirty="0"/>
+              <a:t>Discuss any difficulties that arose, and how you dealt with them</a:t>
+            </a:r>
+          </a:p>
+          <a:p>
+            <a:r>
+              <a:rPr lang="en-US" dirty="0"/>
+              <a:t>With two more weeks, two possible project extensions would be interesting to explore:</a:t>
+            </a:r>
+          </a:p>
+          <a:p>
+            <a:pPr lvl="1"/>
+            <a:r>
+              <a:rPr lang="en-US" dirty="0"/>
+              <a:t>The M-Media-Group API had several other categories of data available—history and vaccines—which would be interesting to add to our existing data</a:t>
+            </a:r>
+          </a:p>
+          <a:p>
+            <a:pPr lvl="2"/>
+            <a:r>
+              <a:rPr lang="en-US" dirty="0"/>
+              <a:t>History data would solve the problem of not being able to track infection and deaths over time, bringing this API’s utility closer to more established sources</a:t>
+            </a:r>
+          </a:p>
+          <a:p>
+            <a:pPr lvl="2"/>
+            <a:r>
+              <a:rPr lang="en-US" dirty="0"/>
+              <a:t>Vaccine data would decrease one of the variables that is currently unchecked in our dataset, especially when combined with infection rates over time and additional sources on vaccine distribution dates by country</a:t>
+            </a:r>
+          </a:p>
+          <a:p>
+            <a:pPr lvl="1"/>
+            <a:r>
+              <a:rPr lang="en-US" dirty="0"/>
+              <a:t>Comparing more established international healthcare data sources across the same geographies as were examined with the M-Media-Group API would give an interesting view of each source’s differences, as we could contrast their breadth and utility</a:t>
+            </a:r>
+          </a:p>
+          <a:p>
+            <a:pPr lvl="1"/>
+            <a:endParaRPr lang="en-US" dirty="0"/>
+          </a:p>
+          <a:p>
+            <a:endParaRPr lang="en-US" dirty="0"/>
+          </a:p>
+        </p:txBody>
+      </p:sp>
+      <p:sp>
+        <p:nvSpPr>
+          <p:cNvPr id="5" name="Date Placeholder 4">
+            <a:extLst>
+              <a:ext uri="{FF2B5EF4-FFF2-40B4-BE49-F238E27FC236}">
+                <a16:creationId xmlns:a16="http://schemas.microsoft.com/office/drawing/2014/main" id="{8F4087F8-DE41-C24B-9426-96DCFE9B292F}"/>
+              </a:ext>
+            </a:extLst>
+          </p:cNvPr>
+          <p:cNvSpPr>
+            <a:spLocks noGrp="1"/>
+          </p:cNvSpPr>
+          <p:nvPr>
+            <p:ph type="dt" sz="half" idx="10"/>
+          </p:nvPr>
+        </p:nvSpPr>
+        <p:spPr/>
+        <p:txBody>
+          <a:bodyPr/>
+          <a:lstStyle/>
+          <a:p>
+            <a:fld id="{99495DA7-756C-CE46-9AFF-D902797D5119}" type="datetime1">
+              <a:rPr lang="en-US" smtClean="0"/>
+              <a:t>5/4/21</a:t>
+            </a:fld>
+            <a:endParaRPr lang="en-US"/>
+          </a:p>
+        </p:txBody>
+      </p:sp>
+    </p:spTree>
+    <p:extLst>
+      <p:ext uri="{BB962C8B-B14F-4D97-AF65-F5344CB8AC3E}">
+        <p14:creationId xmlns:p14="http://schemas.microsoft.com/office/powerpoint/2010/main" val="2941233062"/>
+      </p:ext>
+    </p:extLst>
+  </p:cSld>
+  <p:clrMapOvr>
+    <a:masterClrMapping/>
+  </p:clrMapOvr>
+</p:sld>
+</file>
+
+<file path=ppt/slides/slide11.xml><?xml version="1.0" encoding="utf-8"?>
+<p:sld xmlns:a="http://schemas.openxmlformats.org/drawingml/2006/main" xmlns:r="http://schemas.openxmlformats.org/officeDocument/2006/relationships" xmlns:p="http://schemas.openxmlformats.org/presentationml/2006/main">
+  <p:cSld>
+    <p:spTree>
+      <p:nvGrpSpPr>
+        <p:cNvPr id="1" name=""/>
+        <p:cNvGrpSpPr/>
+        <p:nvPr/>
+      </p:nvGrpSpPr>
+      <p:grpSpPr>
+        <a:xfrm>
+          <a:off x="0" y="0"/>
+          <a:ext cx="0" cy="0"/>
+          <a:chOff x="0" y="0"/>
+          <a:chExt cx="0" cy="0"/>
+        </a:xfrm>
+      </p:grpSpPr>
+      <p:sp>
+        <p:nvSpPr>
+          <p:cNvPr id="2" name="Title 1">
+            <a:extLst>
+              <a:ext uri="{FF2B5EF4-FFF2-40B4-BE49-F238E27FC236}">
+                <a16:creationId xmlns:a16="http://schemas.microsoft.com/office/drawing/2014/main" id="{45579675-A1FC-B740-88F1-8539DC6CE494}"/>
+              </a:ext>
+            </a:extLst>
+          </p:cNvPr>
+          <p:cNvSpPr>
+            <a:spLocks noGrp="1"/>
+          </p:cNvSpPr>
+          <p:nvPr>
+            <p:ph type="title"/>
+          </p:nvPr>
+        </p:nvSpPr>
+        <p:spPr/>
+        <p:txBody>
+          <a:bodyPr/>
+          <a:lstStyle/>
+          <a:p>
+            <a:r>
+              <a:rPr lang="en-US" dirty="0"/>
+              <a:t>Questions</a:t>
+            </a:r>
+          </a:p>
+        </p:txBody>
+      </p:sp>
+      <p:sp>
+        <p:nvSpPr>
+          <p:cNvPr id="3" name="Content Placeholder 2">
+            <a:extLst>
+              <a:ext uri="{FF2B5EF4-FFF2-40B4-BE49-F238E27FC236}">
+                <a16:creationId xmlns:a16="http://schemas.microsoft.com/office/drawing/2014/main" id="{1A0B7FBD-7D07-5F43-BB97-E4135189DC0B}"/>
+              </a:ext>
+            </a:extLst>
+          </p:cNvPr>
+          <p:cNvSpPr>
+            <a:spLocks noGrp="1"/>
+          </p:cNvSpPr>
+          <p:nvPr>
+            <p:ph idx="1"/>
+          </p:nvPr>
+        </p:nvSpPr>
+        <p:spPr/>
+        <p:txBody>
+          <a:bodyPr/>
+          <a:lstStyle/>
+          <a:p>
+            <a:r>
+              <a:rPr lang="en-US" dirty="0"/>
+              <a:t> Please ask questions if you have them. </a:t>
+            </a:r>
+          </a:p>
+        </p:txBody>
+      </p:sp>
+      <p:sp>
+        <p:nvSpPr>
+          <p:cNvPr id="5" name="Date Placeholder 4">
+            <a:extLst>
+              <a:ext uri="{FF2B5EF4-FFF2-40B4-BE49-F238E27FC236}">
+                <a16:creationId xmlns:a16="http://schemas.microsoft.com/office/drawing/2014/main" id="{5876E40D-496E-8442-9A53-14D4129922F3}"/>
+              </a:ext>
+            </a:extLst>
+          </p:cNvPr>
+          <p:cNvSpPr>
+            <a:spLocks noGrp="1"/>
+          </p:cNvSpPr>
+          <p:nvPr>
+            <p:ph type="dt" sz="half" idx="10"/>
+          </p:nvPr>
+        </p:nvSpPr>
+        <p:spPr/>
+        <p:txBody>
+          <a:bodyPr/>
+          <a:lstStyle/>
+          <a:p>
+            <a:fld id="{9C4FDC29-DB2B-6149-83F6-C4B94239BAD3}" type="datetime1">
+              <a:rPr lang="en-US" smtClean="0"/>
+              <a:t>5/3/21</a:t>
+            </a:fld>
+            <a:endParaRPr lang="en-US"/>
+          </a:p>
+        </p:txBody>
+      </p:sp>
+    </p:spTree>
+    <p:extLst>
+      <p:ext uri="{BB962C8B-B14F-4D97-AF65-F5344CB8AC3E}">
+        <p14:creationId xmlns:p14="http://schemas.microsoft.com/office/powerpoint/2010/main" val="2814917593"/>
+      </p:ext>
+    </p:extLst>
+  </p:cSld>
+  <p:clrMapOvr>
+    <a:masterClrMapping/>
+  </p:clrMapOvr>
+</p:sld>
+</file>
+
+<file path=ppt/slides/slide12.xml><?xml version="1.0" encoding="utf-8"?>
+<p:sld xmlns:a="http://schemas.openxmlformats.org/drawingml/2006/main" xmlns:r="http://schemas.openxmlformats.org/officeDocument/2006/relationships" xmlns:p="http://schemas.openxmlformats.org/presentationml/2006/main">
+  <p:cSld>
+    <p:spTree>
+      <p:nvGrpSpPr>
+        <p:cNvPr id="1" name=""/>
+        <p:cNvGrpSpPr/>
+        <p:nvPr/>
+      </p:nvGrpSpPr>
+      <p:grpSpPr>
+        <a:xfrm>
+          <a:off x="0" y="0"/>
+          <a:ext cx="0" cy="0"/>
+          <a:chOff x="0" y="0"/>
+          <a:chExt cx="0" cy="0"/>
+        </a:xfrm>
+      </p:grpSpPr>
+      <p:sp>
+        <p:nvSpPr>
+          <p:cNvPr id="2" name="Title 1">
+            <a:extLst>
+              <a:ext uri="{FF2B5EF4-FFF2-40B4-BE49-F238E27FC236}">
+                <a16:creationId xmlns:a16="http://schemas.microsoft.com/office/drawing/2014/main" id="{D72DE559-F5A7-1143-B4BB-52F85217B7B9}"/>
+              </a:ext>
+            </a:extLst>
+          </p:cNvPr>
+          <p:cNvSpPr>
+            <a:spLocks noGrp="1"/>
+          </p:cNvSpPr>
+          <p:nvPr>
+            <p:ph type="title"/>
+          </p:nvPr>
+        </p:nvSpPr>
+        <p:spPr/>
+        <p:txBody>
+          <a:bodyPr/>
+          <a:lstStyle/>
+          <a:p>
+            <a:r>
+              <a:rPr lang="en-US" dirty="0"/>
+              <a:t>Sources</a:t>
+            </a:r>
+          </a:p>
+        </p:txBody>
+      </p:sp>
+      <p:sp>
+        <p:nvSpPr>
+          <p:cNvPr id="3" name="Content Placeholder 2">
+            <a:extLst>
+              <a:ext uri="{FF2B5EF4-FFF2-40B4-BE49-F238E27FC236}">
+                <a16:creationId xmlns:a16="http://schemas.microsoft.com/office/drawing/2014/main" id="{F227D8F1-8A00-CE40-BF3D-60831EF84100}"/>
+              </a:ext>
+            </a:extLst>
+          </p:cNvPr>
+          <p:cNvSpPr>
+            <a:spLocks noGrp="1"/>
+          </p:cNvSpPr>
+          <p:nvPr>
+            <p:ph idx="1"/>
+          </p:nvPr>
+        </p:nvSpPr>
+        <p:spPr/>
+        <p:txBody>
+          <a:bodyPr/>
+          <a:lstStyle/>
+          <a:p>
+            <a:r>
+              <a:rPr lang="en-US" dirty="0"/>
+              <a:t>API provided open-source by M-Media-Group, available at </a:t>
+            </a:r>
+            <a:r>
+              <a:rPr lang="en-US" dirty="0">
+                <a:hlinkClick r:id="rId2"/>
+              </a:rPr>
+              <a:t>https://github.com/M-Media-Group/Covid-19-API</a:t>
+            </a:r>
+            <a:endParaRPr lang="en-US" dirty="0"/>
+          </a:p>
+          <a:p>
+            <a:r>
+              <a:rPr lang="en-US" dirty="0"/>
+              <a:t>COVID-19 stock image is public domain, provided by the CDC and available at </a:t>
+            </a:r>
+            <a:r>
+              <a:rPr lang="en-US" dirty="0">
+                <a:hlinkClick r:id="rId3"/>
+              </a:rPr>
+              <a:t>https://www.cdc.gov/media/subtopic/images.htm</a:t>
+            </a:r>
+            <a:endParaRPr lang="en-US" dirty="0"/>
+          </a:p>
+          <a:p>
+            <a:r>
+              <a:rPr lang="en-US" dirty="0"/>
+              <a:t>Information on the WHO Coronavirus (COVID-19) Dashboard was pulled from </a:t>
+            </a:r>
+            <a:r>
+              <a:rPr lang="en-US" dirty="0">
+                <a:hlinkClick r:id="rId4"/>
+              </a:rPr>
+              <a:t>https://covid19.who.int/</a:t>
+            </a:r>
+            <a:endParaRPr lang="en-US" dirty="0"/>
+          </a:p>
+          <a:p>
+            <a:pPr marL="0" indent="0">
+              <a:buNone/>
+            </a:pPr>
+            <a:endParaRPr lang="en-US" dirty="0"/>
+          </a:p>
+          <a:p>
+            <a:endParaRPr lang="en-US" dirty="0"/>
+          </a:p>
+        </p:txBody>
+      </p:sp>
+      <p:sp>
+        <p:nvSpPr>
+          <p:cNvPr id="4" name="Date Placeholder 3">
+            <a:extLst>
+              <a:ext uri="{FF2B5EF4-FFF2-40B4-BE49-F238E27FC236}">
+                <a16:creationId xmlns:a16="http://schemas.microsoft.com/office/drawing/2014/main" id="{BC366F44-73D2-2C46-84F7-ACF0FF4040D0}"/>
+              </a:ext>
+            </a:extLst>
+          </p:cNvPr>
+          <p:cNvSpPr>
+            <a:spLocks noGrp="1"/>
+          </p:cNvSpPr>
+          <p:nvPr>
+            <p:ph type="dt" sz="half" idx="10"/>
+          </p:nvPr>
+        </p:nvSpPr>
+        <p:spPr/>
+        <p:txBody>
+          <a:bodyPr/>
+          <a:lstStyle/>
+          <a:p>
+            <a:fld id="{A409A287-AB84-2B48-8941-6388C7B9D3BC}" type="datetime1">
+              <a:rPr lang="en-US" smtClean="0"/>
+              <a:t>5/4/21</a:t>
+            </a:fld>
+            <a:endParaRPr lang="en-US"/>
+          </a:p>
+        </p:txBody>
+      </p:sp>
+    </p:spTree>
+    <p:extLst>
+      <p:ext uri="{BB962C8B-B14F-4D97-AF65-F5344CB8AC3E}">
+        <p14:creationId xmlns:p14="http://schemas.microsoft.com/office/powerpoint/2010/main" val="3731275910"/>
+      </p:ext>
+    </p:extLst>
+  </p:cSld>
+  <p:clrMapOvr>
+    <a:masterClrMapping/>
+  </p:clrMapOvr>
+</p:sld>
+</file>
+
 <file path=ppt/slides/slide2.xml><?xml version="1.0" encoding="utf-8"?>
 <p:sld xmlns:a="http://schemas.openxmlformats.org/drawingml/2006/main" xmlns:r="http://schemas.openxmlformats.org/officeDocument/2006/relationships" xmlns:p="http://schemas.openxmlformats.org/presentationml/2006/main">
   <p:cSld>
@@ -4243,7 +4677,7 @@
           <a:p>
             <a:fld id="{B108201D-E81F-1247-9597-E88465257275}" type="datetime1">
               <a:rPr lang="en-US" smtClean="0"/>
-              <a:t>5/3/21</a:t>
+              <a:t>5/4/21</a:t>
             </a:fld>
             <a:endParaRPr lang="en-US"/>
           </a:p>
@@ -4374,6 +4808,77 @@
           </a:ln>
         </p:spPr>
       </p:pic>
+      <p:sp>
+        <p:nvSpPr>
+          <p:cNvPr id="16" name="TextBox 15">
+            <a:extLst>
+              <a:ext uri="{FF2B5EF4-FFF2-40B4-BE49-F238E27FC236}">
+                <a16:creationId xmlns:a16="http://schemas.microsoft.com/office/drawing/2014/main" id="{A6E097AE-8E03-664A-BC17-C4E88EBDC96E}"/>
+              </a:ext>
+            </a:extLst>
+          </p:cNvPr>
+          <p:cNvSpPr txBox="1"/>
+          <p:nvPr/>
+        </p:nvSpPr>
+        <p:spPr>
+          <a:xfrm>
+            <a:off x="5900738" y="6248403"/>
+            <a:ext cx="1757362" cy="169277"/>
+          </a:xfrm>
+          <a:prstGeom prst="rect">
+            <a:avLst/>
+          </a:prstGeom>
+          <a:noFill/>
+        </p:spPr>
+        <p:txBody>
+          <a:bodyPr wrap="square" rtlCol="0">
+            <a:spAutoFit/>
+          </a:bodyPr>
+          <a:lstStyle/>
+          <a:p>
+            <a:r>
+              <a:rPr lang="en-US" sz="500" dirty="0"/>
+              <a:t>Source: World Health Organization</a:t>
+            </a:r>
+          </a:p>
+        </p:txBody>
+      </p:sp>
+      <p:sp>
+        <p:nvSpPr>
+          <p:cNvPr id="18" name="TextBox 17">
+            <a:extLst>
+              <a:ext uri="{FF2B5EF4-FFF2-40B4-BE49-F238E27FC236}">
+                <a16:creationId xmlns:a16="http://schemas.microsoft.com/office/drawing/2014/main" id="{8036BA0F-DE0E-2345-869F-482F930B88E3}"/>
+              </a:ext>
+            </a:extLst>
+          </p:cNvPr>
+          <p:cNvSpPr txBox="1"/>
+          <p:nvPr/>
+        </p:nvSpPr>
+        <p:spPr>
+          <a:xfrm>
+            <a:off x="9590294" y="3855302"/>
+            <a:ext cx="1757362" cy="169277"/>
+          </a:xfrm>
+          <a:prstGeom prst="rect">
+            <a:avLst/>
+          </a:prstGeom>
+          <a:noFill/>
+        </p:spPr>
+        <p:txBody>
+          <a:bodyPr wrap="square" rtlCol="0">
+            <a:spAutoFit/>
+          </a:bodyPr>
+          <a:lstStyle/>
+          <a:p>
+            <a:pPr algn="r"/>
+            <a:r>
+              <a:rPr lang="en-US" sz="500" dirty="0"/>
+              <a:t>Source: Rapid API</a:t>
+            </a:r>
+          </a:p>
+        </p:txBody>
+      </p:sp>
     </p:spTree>
     <p:extLst>
       <p:ext uri="{BB962C8B-B14F-4D97-AF65-F5344CB8AC3E}">
@@ -5014,20 +5519,6 @@
               <a:t>* Discuss the steps you took to analyze the data and answer each question you asked in your proposal</a:t>
             </a:r>
           </a:p>
-          <a:p>
-            <a:r>
-              <a:rPr lang="en-US" dirty="0"/>
-              <a:t>  * Present and discuss interesting figures developed during analysis, ideally with the help of </a:t>
-            </a:r>
-            <a:r>
-              <a:rPr lang="en-US" dirty="0" err="1"/>
-              <a:t>Jupyter</a:t>
-            </a:r>
-            <a:r>
-              <a:rPr lang="en-US" dirty="0"/>
-              <a:t> Notebook</a:t>
-            </a:r>
-          </a:p>
         </p:txBody>
       </p:sp>
       <p:sp>
@@ -5053,12 +5544,412 @@
           <a:p>
             <a:fld id="{0C5A02C5-D8B9-DC40-AE7F-070B899EF35C}" type="datetime1">
               <a:rPr lang="en-US" smtClean="0"/>
-              <a:t>5/3/21</a:t>
+              <a:t>5/4/21</a:t>
             </a:fld>
             <a:endParaRPr lang="en-US"/>
           </a:p>
         </p:txBody>
       </p:sp>
+      <p:pic>
+        <p:nvPicPr>
+          <p:cNvPr id="9" name="Picture 8" descr="A picture containing calendar&#10;&#10;Description automatically generated">
+            <a:extLst>
+              <a:ext uri="{FF2B5EF4-FFF2-40B4-BE49-F238E27FC236}">
+                <a16:creationId xmlns:a16="http://schemas.microsoft.com/office/drawing/2014/main" id="{B7CDBDF2-C1A2-4E40-B4C0-E32E30F3629D}"/>
+              </a:ext>
+            </a:extLst>
+          </p:cNvPr>
+          <p:cNvPicPr>
+            <a:picLocks noChangeAspect="1"/>
+          </p:cNvPicPr>
+          <p:nvPr/>
+        </p:nvPicPr>
+        <p:blipFill>
+          <a:blip r:embed="rId2"/>
+          <a:stretch>
+            <a:fillRect/>
+          </a:stretch>
+        </p:blipFill>
+        <p:spPr>
+          <a:xfrm rot="10800000">
+            <a:off x="9333373" y="207965"/>
+            <a:ext cx="2637227" cy="2637227"/>
+          </a:xfrm>
+          <a:prstGeom prst="rect">
+            <a:avLst/>
+          </a:prstGeom>
+        </p:spPr>
+      </p:pic>
+      <p:graphicFrame>
+        <p:nvGraphicFramePr>
+          <p:cNvPr id="10" name="Table 10">
+            <a:extLst>
+              <a:ext uri="{FF2B5EF4-FFF2-40B4-BE49-F238E27FC236}">
+                <a16:creationId xmlns:a16="http://schemas.microsoft.com/office/drawing/2014/main" id="{9C4FD1EB-0B2A-B84B-BEDE-EB2D9EE15667}"/>
+              </a:ext>
+            </a:extLst>
+          </p:cNvPr>
+          <p:cNvGraphicFramePr>
+            <a:graphicFrameLocks noGrp="1"/>
+          </p:cNvGraphicFramePr>
+          <p:nvPr>
+            <p:extLst>
+              <p:ext uri="{D42A27DB-BD31-4B8C-83A1-F6EECF244321}">
+                <p14:modId xmlns:p14="http://schemas.microsoft.com/office/powerpoint/2010/main" val="219042370"/>
+              </p:ext>
+            </p:extLst>
+          </p:nvPr>
+        </p:nvGraphicFramePr>
+        <p:xfrm>
+          <a:off x="1621630" y="2357438"/>
+          <a:ext cx="8948740" cy="3539490"/>
+        </p:xfrm>
+        <a:graphic>
+          <a:graphicData uri="http://schemas.openxmlformats.org/drawingml/2006/table">
+            <a:tbl>
+              <a:tblPr firstRow="1" bandRow="1">
+                <a:tableStyleId>{5A111915-BE36-4E01-A7E5-04B1672EAD32}</a:tableStyleId>
+              </a:tblPr>
+              <a:tblGrid>
+                <a:gridCol w="2237185">
+                  <a:extLst>
+                    <a:ext uri="{9D8B030D-6E8A-4147-A177-3AD203B41FA5}">
+                      <a16:colId xmlns:a16="http://schemas.microsoft.com/office/drawing/2014/main" val="2203290296"/>
+                    </a:ext>
+                  </a:extLst>
+                </a:gridCol>
+                <a:gridCol w="2237185">
+                  <a:extLst>
+                    <a:ext uri="{9D8B030D-6E8A-4147-A177-3AD203B41FA5}">
+                      <a16:colId xmlns:a16="http://schemas.microsoft.com/office/drawing/2014/main" val="1579560213"/>
+                    </a:ext>
+                  </a:extLst>
+                </a:gridCol>
+                <a:gridCol w="2237185">
+                  <a:extLst>
+                    <a:ext uri="{9D8B030D-6E8A-4147-A177-3AD203B41FA5}">
+                      <a16:colId xmlns:a16="http://schemas.microsoft.com/office/drawing/2014/main" val="1752591767"/>
+                    </a:ext>
+                  </a:extLst>
+                </a:gridCol>
+                <a:gridCol w="2237185">
+                  <a:extLst>
+                    <a:ext uri="{9D8B030D-6E8A-4147-A177-3AD203B41FA5}">
+                      <a16:colId xmlns:a16="http://schemas.microsoft.com/office/drawing/2014/main" val="1880997321"/>
+                    </a:ext>
+                  </a:extLst>
+                </a:gridCol>
+              </a:tblGrid>
+              <a:tr h="763905">
+                <a:tc>
+                  <a:txBody>
+                    <a:bodyPr/>
+                    <a:lstStyle/>
+                    <a:p>
+                      <a:pPr algn="ctr"/>
+                      <a:r>
+                        <a:rPr lang="en-US" sz="1400" dirty="0"/>
+                        <a:t>Question</a:t>
+                      </a:r>
+                    </a:p>
+                  </a:txBody>
+                  <a:tcPr anchor="ctr"/>
+                </a:tc>
+                <a:tc>
+                  <a:txBody>
+                    <a:bodyPr/>
+                    <a:lstStyle/>
+                    <a:p>
+                      <a:pPr algn="ctr"/>
+                      <a:r>
+                        <a:rPr lang="en-US" sz="1400" dirty="0"/>
+                        <a:t>Available Data</a:t>
+                      </a:r>
+                    </a:p>
+                  </a:txBody>
+                  <a:tcPr anchor="ctr"/>
+                </a:tc>
+                <a:tc>
+                  <a:txBody>
+                    <a:bodyPr/>
+                    <a:lstStyle/>
+                    <a:p>
+                      <a:pPr algn="ctr"/>
+                      <a:r>
+                        <a:rPr lang="en-US" sz="1400" dirty="0"/>
+                        <a:t>Visualization</a:t>
+                      </a:r>
+                    </a:p>
+                  </a:txBody>
+                  <a:tcPr anchor="ctr"/>
+                </a:tc>
+                <a:tc>
+                  <a:txBody>
+                    <a:bodyPr/>
+                    <a:lstStyle/>
+                    <a:p>
+                      <a:pPr algn="ctr"/>
+                      <a:r>
+                        <a:rPr lang="en-US" sz="1400" dirty="0"/>
+                        <a:t>Interpretation</a:t>
+                      </a:r>
+                    </a:p>
+                  </a:txBody>
+                  <a:tcPr anchor="ctr"/>
+                </a:tc>
+                <a:extLst>
+                  <a:ext uri="{0D108BD9-81ED-4DB2-BD59-A6C34878D82A}">
+                    <a16:rowId xmlns:a16="http://schemas.microsoft.com/office/drawing/2014/main" val="3815848032"/>
+                  </a:ext>
+                </a:extLst>
+              </a:tr>
+              <a:tr h="763905">
+                <a:tc>
+                  <a:txBody>
+                    <a:bodyPr/>
+                    <a:lstStyle/>
+                    <a:p>
+                      <a:pPr marL="0" marR="0" lvl="0" indent="0" algn="l" defTabSz="914400" rtl="0" eaLnBrk="1" fontAlgn="auto" latinLnBrk="0" hangingPunct="1">
+                        <a:lnSpc>
+                          <a:spcPct val="100000"/>
+                        </a:lnSpc>
+                        <a:spcBef>
+                          <a:spcPts val="0"/>
+                        </a:spcBef>
+                        <a:spcAft>
+                          <a:spcPts val="0"/>
+                        </a:spcAft>
+                        <a:buClrTx/>
+                        <a:buSzTx/>
+                        <a:buFontTx/>
+                        <a:buNone/>
+                        <a:tabLst/>
+                        <a:defRPr/>
+                      </a:pPr>
+                      <a:r>
+                        <a:rPr lang="en-US" sz="1200" dirty="0"/>
+                        <a:t>Which countries in North America have the highest infection rates? Mortality rates?</a:t>
+                      </a:r>
+                    </a:p>
+                  </a:txBody>
+                  <a:tcPr/>
+                </a:tc>
+                <a:tc>
+                  <a:txBody>
+                    <a:bodyPr/>
+                    <a:lstStyle/>
+                    <a:p>
+                      <a:r>
+                        <a:rPr lang="en-US" sz="1200" dirty="0"/>
+                        <a:t>Columns on infection and morbidity</a:t>
+                      </a:r>
+                    </a:p>
+                  </a:txBody>
+                  <a:tcPr/>
+                </a:tc>
+                <a:tc>
+                  <a:txBody>
+                    <a:bodyPr/>
+                    <a:lstStyle/>
+                    <a:p>
+                      <a:r>
+                        <a:rPr lang="en-US" sz="1200" dirty="0"/>
+                        <a:t>Bar charts displaying infection and morbidity rates by country</a:t>
+                      </a:r>
+                    </a:p>
+                  </a:txBody>
+                  <a:tcPr/>
+                </a:tc>
+                <a:tc>
+                  <a:txBody>
+                    <a:bodyPr/>
+                    <a:lstStyle/>
+                    <a:p>
+                      <a:endParaRPr lang="en-US" sz="1200" dirty="0"/>
+                    </a:p>
+                  </a:txBody>
+                  <a:tcPr/>
+                </a:tc>
+                <a:extLst>
+                  <a:ext uri="{0D108BD9-81ED-4DB2-BD59-A6C34878D82A}">
+                    <a16:rowId xmlns:a16="http://schemas.microsoft.com/office/drawing/2014/main" val="2350118511"/>
+                  </a:ext>
+                </a:extLst>
+              </a:tr>
+              <a:tr h="763905">
+                <a:tc>
+                  <a:txBody>
+                    <a:bodyPr/>
+                    <a:lstStyle/>
+                    <a:p>
+                      <a:pPr marL="0" marR="0" lvl="0" indent="0" algn="l" defTabSz="914400" rtl="0" eaLnBrk="1" fontAlgn="auto" latinLnBrk="0" hangingPunct="1">
+                        <a:lnSpc>
+                          <a:spcPct val="100000"/>
+                        </a:lnSpc>
+                        <a:spcBef>
+                          <a:spcPts val="0"/>
+                        </a:spcBef>
+                        <a:spcAft>
+                          <a:spcPts val="0"/>
+                        </a:spcAft>
+                        <a:buClrTx/>
+                        <a:buSzTx/>
+                        <a:buFontTx/>
+                        <a:buNone/>
+                        <a:tabLst/>
+                        <a:defRPr/>
+                      </a:pPr>
+                      <a:r>
+                        <a:rPr lang="en-US" sz="1200" dirty="0"/>
+                        <a:t>Do any of the provided demographic statistics have strong correlations with infection or mortality rate?</a:t>
+                      </a:r>
+                    </a:p>
+                  </a:txBody>
+                  <a:tcPr/>
+                </a:tc>
+                <a:tc>
+                  <a:txBody>
+                    <a:bodyPr/>
+                    <a:lstStyle/>
+                    <a:p>
+                      <a:r>
+                        <a:rPr lang="en-US" sz="1200" dirty="0"/>
+                        <a:t>Columns on infection and morbidity combined with population, population density, and life expectancy</a:t>
+                      </a:r>
+                    </a:p>
+                  </a:txBody>
+                  <a:tcPr/>
+                </a:tc>
+                <a:tc>
+                  <a:txBody>
+                    <a:bodyPr/>
+                    <a:lstStyle/>
+                    <a:p>
+                      <a:r>
+                        <a:rPr lang="en-US" sz="1200" dirty="0"/>
+                        <a:t>Scatter plots with demographic variables as x-axis values and COVID-19 statistics as y-axis values, with trendline included</a:t>
+                      </a:r>
+                    </a:p>
+                  </a:txBody>
+                  <a:tcPr/>
+                </a:tc>
+                <a:tc>
+                  <a:txBody>
+                    <a:bodyPr/>
+                    <a:lstStyle/>
+                    <a:p>
+                      <a:endParaRPr lang="en-US" sz="1200" dirty="0"/>
+                    </a:p>
+                  </a:txBody>
+                  <a:tcPr/>
+                </a:tc>
+                <a:extLst>
+                  <a:ext uri="{0D108BD9-81ED-4DB2-BD59-A6C34878D82A}">
+                    <a16:rowId xmlns:a16="http://schemas.microsoft.com/office/drawing/2014/main" val="1995979552"/>
+                  </a:ext>
+                </a:extLst>
+              </a:tr>
+              <a:tr h="763905">
+                <a:tc>
+                  <a:txBody>
+                    <a:bodyPr/>
+                    <a:lstStyle/>
+                    <a:p>
+                      <a:pPr marL="0" marR="0" lvl="0" indent="0" algn="l" defTabSz="914400" rtl="0" eaLnBrk="1" fontAlgn="auto" latinLnBrk="0" hangingPunct="1">
+                        <a:lnSpc>
+                          <a:spcPct val="100000"/>
+                        </a:lnSpc>
+                        <a:spcBef>
+                          <a:spcPts val="0"/>
+                        </a:spcBef>
+                        <a:spcAft>
+                          <a:spcPts val="0"/>
+                        </a:spcAft>
+                        <a:buClrTx/>
+                        <a:buSzTx/>
+                        <a:buFontTx/>
+                        <a:buNone/>
+                        <a:tabLst/>
+                        <a:defRPr/>
+                      </a:pPr>
+                      <a:r>
+                        <a:rPr lang="en-US" sz="1200" dirty="0"/>
+                        <a:t>Can discrepancies between infection rate and mortality rate—such as a country with a high infection rate but a low mortality rate—be explained based on the given statistics?</a:t>
+                      </a:r>
+                    </a:p>
+                  </a:txBody>
+                  <a:tcPr/>
+                </a:tc>
+                <a:tc>
+                  <a:txBody>
+                    <a:bodyPr/>
+                    <a:lstStyle/>
+                    <a:p>
+                      <a:endParaRPr lang="en-US" sz="1200" dirty="0"/>
+                    </a:p>
+                  </a:txBody>
+                  <a:tcPr/>
+                </a:tc>
+                <a:tc>
+                  <a:txBody>
+                    <a:bodyPr/>
+                    <a:lstStyle/>
+                    <a:p>
+                      <a:endParaRPr lang="en-US" sz="1200" dirty="0"/>
+                    </a:p>
+                  </a:txBody>
+                  <a:tcPr/>
+                </a:tc>
+                <a:tc>
+                  <a:txBody>
+                    <a:bodyPr/>
+                    <a:lstStyle/>
+                    <a:p>
+                      <a:endParaRPr lang="en-US" sz="1200" dirty="0"/>
+                    </a:p>
+                  </a:txBody>
+                  <a:tcPr/>
+                </a:tc>
+                <a:extLst>
+                  <a:ext uri="{0D108BD9-81ED-4DB2-BD59-A6C34878D82A}">
+                    <a16:rowId xmlns:a16="http://schemas.microsoft.com/office/drawing/2014/main" val="2367733799"/>
+                  </a:ext>
+                </a:extLst>
+              </a:tr>
+            </a:tbl>
+          </a:graphicData>
+        </a:graphic>
+      </p:graphicFrame>
+      <p:pic>
+        <p:nvPicPr>
+          <p:cNvPr id="11" name="Picture 10" descr="A picture containing calendar&#10;&#10;Description automatically generated">
+            <a:extLst>
+              <a:ext uri="{FF2B5EF4-FFF2-40B4-BE49-F238E27FC236}">
+                <a16:creationId xmlns:a16="http://schemas.microsoft.com/office/drawing/2014/main" id="{B61D668A-F382-9243-9CA3-D8D607E86287}"/>
+              </a:ext>
+            </a:extLst>
+          </p:cNvPr>
+          <p:cNvPicPr>
+            <a:picLocks noChangeAspect="1"/>
+          </p:cNvPicPr>
+          <p:nvPr/>
+        </p:nvPicPr>
+        <p:blipFill>
+          <a:blip r:embed="rId2"/>
+          <a:stretch>
+            <a:fillRect/>
+          </a:stretch>
+        </p:blipFill>
+        <p:spPr>
+          <a:xfrm>
+            <a:off x="264264" y="5337722"/>
+            <a:ext cx="1325563" cy="1325563"/>
+          </a:xfrm>
+          <a:prstGeom prst="rect">
+            <a:avLst/>
+          </a:prstGeom>
+        </p:spPr>
+      </p:pic>
     </p:spTree>
     <p:extLst>
       <p:ext uri="{BB962C8B-B14F-4D97-AF65-F5344CB8AC3E}">
@@ -5112,7 +6003,7 @@
           <a:p>
             <a:r>
               <a:rPr lang="en-US" dirty="0"/>
-              <a:t>Discussion</a:t>
+              <a:t>Data Analysis</a:t>
             </a:r>
           </a:p>
         </p:txBody>
@@ -5140,8 +6031,19 @@
           <a:p>
             <a:r>
               <a:rPr lang="en-US" dirty="0"/>
-              <a:t>* Discuss your findings. Did you find what you expected to find? If not, why not? What inferences or general conclusions can you draw from your analysis?</a:t>
-            </a:r>
+              <a:t>* Present and discuss interesting figures developed during analysis, ideally with the help of </a:t>
+            </a:r>
+            <a:r>
+              <a:rPr lang="en-US" dirty="0" err="1"/>
+              <a:t>Jupyter</a:t>
+            </a:r>
+            <a:r>
+              <a:rPr lang="en-US" dirty="0"/>
+              <a:t> Notebook  Which countries in North America have the highest infection rates? Mortality rates?</a:t>
+            </a:r>
+          </a:p>
+          <a:p>
+            <a:endParaRPr lang="en-US" dirty="0"/>
           </a:p>
           <a:p>
             <a:endParaRPr lang="en-US" dirty="0"/>
@@ -5171,12 +6073,190 @@
           <a:p>
             <a:fld id="{6CEC29A3-46B9-D849-806C-72872CA2C4DD}" type="datetime1">
               <a:rPr lang="en-US" smtClean="0"/>
-              <a:t>5/3/21</a:t>
+              <a:t>5/4/21</a:t>
             </a:fld>
             <a:endParaRPr lang="en-US"/>
           </a:p>
         </p:txBody>
       </p:sp>
+      <p:grpSp>
+        <p:nvGrpSpPr>
+          <p:cNvPr id="16" name="Group 15">
+            <a:extLst>
+              <a:ext uri="{FF2B5EF4-FFF2-40B4-BE49-F238E27FC236}">
+                <a16:creationId xmlns:a16="http://schemas.microsoft.com/office/drawing/2014/main" id="{469E7BA2-5B60-F64F-87B4-924C673530A7}"/>
+              </a:ext>
+            </a:extLst>
+          </p:cNvPr>
+          <p:cNvGrpSpPr/>
+          <p:nvPr/>
+        </p:nvGrpSpPr>
+        <p:grpSpPr>
+          <a:xfrm>
+            <a:off x="5486421" y="2342357"/>
+            <a:ext cx="6858000" cy="3429000"/>
+            <a:chOff x="5486421" y="2342357"/>
+            <a:chExt cx="6858000" cy="3429000"/>
+          </a:xfrm>
+        </p:grpSpPr>
+        <p:pic>
+          <p:nvPicPr>
+            <p:cNvPr id="8" name="Picture 7" descr="Chart, histogram&#10;&#10;Description automatically generated">
+              <a:extLst>
+                <a:ext uri="{FF2B5EF4-FFF2-40B4-BE49-F238E27FC236}">
+                  <a16:creationId xmlns:a16="http://schemas.microsoft.com/office/drawing/2014/main" id="{8D0BE94E-6C30-9A4A-BA1E-754A27640AD2}"/>
+                </a:ext>
+              </a:extLst>
+            </p:cNvPr>
+            <p:cNvPicPr>
+              <a:picLocks noChangeAspect="1"/>
+            </p:cNvPicPr>
+            <p:nvPr/>
+          </p:nvPicPr>
+          <p:blipFill>
+            <a:blip r:embed="rId2"/>
+            <a:stretch>
+              <a:fillRect/>
+            </a:stretch>
+          </p:blipFill>
+          <p:spPr>
+            <a:xfrm>
+              <a:off x="5486421" y="2342357"/>
+              <a:ext cx="6858000" cy="3429000"/>
+            </a:xfrm>
+            <a:prstGeom prst="rect">
+              <a:avLst/>
+            </a:prstGeom>
+          </p:spPr>
+        </p:pic>
+        <p:sp>
+          <p:nvSpPr>
+            <p:cNvPr id="10" name="TextBox 9">
+              <a:extLst>
+                <a:ext uri="{FF2B5EF4-FFF2-40B4-BE49-F238E27FC236}">
+                  <a16:creationId xmlns:a16="http://schemas.microsoft.com/office/drawing/2014/main" id="{53562CE7-F7C2-194E-BC05-FECAC08E53DE}"/>
+                </a:ext>
+              </a:extLst>
+            </p:cNvPr>
+            <p:cNvSpPr txBox="1"/>
+            <p:nvPr/>
+          </p:nvSpPr>
+          <p:spPr>
+            <a:xfrm>
+              <a:off x="7729559" y="2471737"/>
+              <a:ext cx="2371725" cy="276999"/>
+            </a:xfrm>
+            <a:prstGeom prst="rect">
+              <a:avLst/>
+            </a:prstGeom>
+            <a:solidFill>
+              <a:schemeClr val="bg1"/>
+            </a:solidFill>
+          </p:spPr>
+          <p:txBody>
+            <a:bodyPr wrap="square" rtlCol="0">
+              <a:spAutoFit/>
+            </a:bodyPr>
+            <a:lstStyle/>
+            <a:p>
+              <a:pPr algn="ctr"/>
+              <a:r>
+                <a:rPr lang="en-US" sz="1200" dirty="0"/>
+                <a:t>North American Mortality Rates</a:t>
+              </a:r>
+            </a:p>
+          </p:txBody>
+        </p:sp>
+      </p:grpSp>
+      <p:grpSp>
+        <p:nvGrpSpPr>
+          <p:cNvPr id="15" name="Group 14">
+            <a:extLst>
+              <a:ext uri="{FF2B5EF4-FFF2-40B4-BE49-F238E27FC236}">
+                <a16:creationId xmlns:a16="http://schemas.microsoft.com/office/drawing/2014/main" id="{F0632428-5080-8247-8373-813C52A072DB}"/>
+              </a:ext>
+            </a:extLst>
+          </p:cNvPr>
+          <p:cNvGrpSpPr/>
+          <p:nvPr/>
+        </p:nvGrpSpPr>
+        <p:grpSpPr>
+          <a:xfrm>
+            <a:off x="-152412" y="2342357"/>
+            <a:ext cx="6858000" cy="3429000"/>
+            <a:chOff x="-152412" y="2342357"/>
+            <a:chExt cx="6858000" cy="3429000"/>
+          </a:xfrm>
+        </p:grpSpPr>
+        <p:pic>
+          <p:nvPicPr>
+            <p:cNvPr id="13" name="Picture 12" descr="Chart, histogram&#10;&#10;Description automatically generated">
+              <a:extLst>
+                <a:ext uri="{FF2B5EF4-FFF2-40B4-BE49-F238E27FC236}">
+                  <a16:creationId xmlns:a16="http://schemas.microsoft.com/office/drawing/2014/main" id="{EEE2160E-65EA-074C-87CC-DB6C7368A309}"/>
+                </a:ext>
+              </a:extLst>
+            </p:cNvPr>
+            <p:cNvPicPr>
+              <a:picLocks noChangeAspect="1"/>
+            </p:cNvPicPr>
+            <p:nvPr/>
+          </p:nvPicPr>
+          <p:blipFill>
+            <a:blip r:embed="rId3"/>
+            <a:stretch>
+              <a:fillRect/>
+            </a:stretch>
+          </p:blipFill>
+          <p:spPr>
+            <a:xfrm>
+              <a:off x="-152412" y="2342357"/>
+              <a:ext cx="6858000" cy="3429000"/>
+            </a:xfrm>
+            <a:prstGeom prst="rect">
+              <a:avLst/>
+            </a:prstGeom>
+          </p:spPr>
+        </p:pic>
+        <p:sp>
+          <p:nvSpPr>
+            <p:cNvPr id="14" name="TextBox 13">
+              <a:extLst>
+                <a:ext uri="{FF2B5EF4-FFF2-40B4-BE49-F238E27FC236}">
+                  <a16:creationId xmlns:a16="http://schemas.microsoft.com/office/drawing/2014/main" id="{13DCDE06-4D76-404F-AECD-F22A43DB1636}"/>
+                </a:ext>
+              </a:extLst>
+            </p:cNvPr>
+            <p:cNvSpPr txBox="1"/>
+            <p:nvPr/>
+          </p:nvSpPr>
+          <p:spPr>
+            <a:xfrm>
+              <a:off x="1664483" y="2471737"/>
+              <a:ext cx="3224211" cy="276999"/>
+            </a:xfrm>
+            <a:prstGeom prst="rect">
+              <a:avLst/>
+            </a:prstGeom>
+            <a:solidFill>
+              <a:schemeClr val="bg1"/>
+            </a:solidFill>
+          </p:spPr>
+          <p:txBody>
+            <a:bodyPr wrap="square" rtlCol="0">
+              <a:spAutoFit/>
+            </a:bodyPr>
+            <a:lstStyle/>
+            <a:p>
+              <a:pPr algn="ctr"/>
+              <a:r>
+                <a:rPr lang="en-US" sz="1200" dirty="0"/>
+                <a:t>North American Confirmed Cases per Capita</a:t>
+              </a:r>
+            </a:p>
+          </p:txBody>
+        </p:sp>
+      </p:grpSp>
     </p:spTree>
     <p:extLst>
       <p:ext uri="{BB962C8B-B14F-4D97-AF65-F5344CB8AC3E}">
@@ -5212,7 +6292,7 @@
           <p:cNvPr id="2" name="Title 1">
             <a:extLst>
               <a:ext uri="{FF2B5EF4-FFF2-40B4-BE49-F238E27FC236}">
-                <a16:creationId xmlns:a16="http://schemas.microsoft.com/office/drawing/2014/main" id="{18C3B658-69C8-794E-B749-02FAA80AFE73}"/>
+                <a16:creationId xmlns:a16="http://schemas.microsoft.com/office/drawing/2014/main" id="{2DD80C5F-6550-D447-AF8D-5C9818EB6D6F}"/>
               </a:ext>
             </a:extLst>
           </p:cNvPr>
@@ -5230,7 +6310,7 @@
           <a:p>
             <a:r>
               <a:rPr lang="en-US" dirty="0"/>
-              <a:t>Post-Mortem</a:t>
+              <a:t>Data Analysis</a:t>
             </a:r>
           </a:p>
         </p:txBody>
@@ -5240,7 +6320,7 @@
           <p:cNvPr id="3" name="Content Placeholder 2">
             <a:extLst>
               <a:ext uri="{FF2B5EF4-FFF2-40B4-BE49-F238E27FC236}">
-                <a16:creationId xmlns:a16="http://schemas.microsoft.com/office/drawing/2014/main" id="{A0AE2227-B8E4-D247-BF72-0B12CFC1E7D7}"/>
+                <a16:creationId xmlns:a16="http://schemas.microsoft.com/office/drawing/2014/main" id="{5EE18536-EB70-7542-B2D5-74FE9ADEE509}"/>
               </a:ext>
             </a:extLst>
           </p:cNvPr>
@@ -5256,55 +6336,22 @@
           <a:bodyPr/>
           <a:lstStyle/>
           <a:p>
+            <a:r>
+              <a:rPr lang="en-US" dirty="0"/>
+              <a:t>* Present and discuss interesting figures developed during analysis, ideally with the help of </a:t>
+            </a:r>
+            <a:r>
+              <a:rPr lang="en-US" dirty="0" err="1"/>
+              <a:t>Jupyter</a:t>
+            </a:r>
+            <a:r>
+              <a:rPr lang="en-US" dirty="0"/>
+              <a:t> Notebook Do any of the provided demographic statistics have strong correlations with infection or mortality rate?</a:t>
+            </a:r>
+          </a:p>
+          <a:p>
             <a:endParaRPr lang="en-US" dirty="0"/>
           </a:p>
-          <a:p>
-            <a:r>
-              <a:rPr lang="en-US" dirty="0"/>
-              <a:t>Discuss any difficulties that arose, and how you dealt with them</a:t>
-            </a:r>
-          </a:p>
-          <a:p>
-            <a:r>
-              <a:rPr lang="en-US" dirty="0"/>
-              <a:t>With two more weeks, two possible project extensions would be interesting to explore:</a:t>
-            </a:r>
-          </a:p>
-          <a:p>
-            <a:pPr lvl="1"/>
-            <a:r>
-              <a:rPr lang="en-US" dirty="0"/>
-              <a:t>The M-Media-Group API had several other categories of data available—history and vaccines—which would be interesting to add to our existing data</a:t>
-            </a:r>
-          </a:p>
-          <a:p>
-            <a:pPr lvl="2"/>
-            <a:r>
-              <a:rPr lang="en-US" dirty="0"/>
-              <a:t>History data would solve the problem of not being able to track infection and deaths over time, bringing this API’s utility closer to more established sources</a:t>
-            </a:r>
-          </a:p>
-          <a:p>
-            <a:pPr lvl="2"/>
-            <a:r>
-              <a:rPr lang="en-US" dirty="0"/>
-              <a:t>Vaccine data would decrease one of the variables that is currently unchecked in our dataset, especially when combined with infection rates over time and additional sources on vaccine distribution dates by country</a:t>
-            </a:r>
-          </a:p>
-          <a:p>
-            <a:pPr lvl="1"/>
-            <a:r>
-              <a:rPr lang="en-US" dirty="0"/>
-              <a:t>Comparing more established international healthcare data sources across the same geographies as were examined with the M-Media-Group API would give an interesting view of each source’s differences, as we could contrast their breadth and utility</a:t>
-            </a:r>
-          </a:p>
-          <a:p>
-            <a:pPr lvl="1"/>
-            <a:endParaRPr lang="en-US" dirty="0"/>
-          </a:p>
-          <a:p>
-            <a:endParaRPr lang="en-US" dirty="0"/>
-          </a:p>
         </p:txBody>
       </p:sp>
       <p:sp>
@@ -5312,7 +6359,7 @@
           <p:cNvPr id="5" name="Date Placeholder 4">
             <a:extLst>
               <a:ext uri="{FF2B5EF4-FFF2-40B4-BE49-F238E27FC236}">
-                <a16:creationId xmlns:a16="http://schemas.microsoft.com/office/drawing/2014/main" id="{8F4087F8-DE41-C24B-9426-96DCFE9B292F}"/>
+                <a16:creationId xmlns:a16="http://schemas.microsoft.com/office/drawing/2014/main" id="{108DF1BC-1C40-5D4B-A154-9CB8EF287003}"/>
               </a:ext>
             </a:extLst>
           </p:cNvPr>
@@ -5328,7 +6375,7 @@
           <a:bodyPr/>
           <a:lstStyle/>
           <a:p>
-            <a:fld id="{99495DA7-756C-CE46-9AFF-D902797D5119}" type="datetime1">
+            <a:fld id="{0C5A02C5-D8B9-DC40-AE7F-070B899EF35C}" type="datetime1">
               <a:rPr lang="en-US" smtClean="0"/>
               <a:t>5/4/21</a:t>
             </a:fld>
@@ -5336,10 +6383,277 @@
           </a:p>
         </p:txBody>
       </p:sp>
+      <p:grpSp>
+        <p:nvGrpSpPr>
+          <p:cNvPr id="9" name="Group 8">
+            <a:extLst>
+              <a:ext uri="{FF2B5EF4-FFF2-40B4-BE49-F238E27FC236}">
+                <a16:creationId xmlns:a16="http://schemas.microsoft.com/office/drawing/2014/main" id="{268ECA6E-FDE9-F24B-85EE-44C7705B9FB1}"/>
+              </a:ext>
+            </a:extLst>
+          </p:cNvPr>
+          <p:cNvGrpSpPr/>
+          <p:nvPr/>
+        </p:nvGrpSpPr>
+        <p:grpSpPr>
+          <a:xfrm>
+            <a:off x="7601555" y="2280717"/>
+            <a:ext cx="4773167" cy="2398727"/>
+            <a:chOff x="7601555" y="2280717"/>
+            <a:chExt cx="4773167" cy="2398727"/>
+          </a:xfrm>
+        </p:grpSpPr>
+        <p:pic>
+          <p:nvPicPr>
+            <p:cNvPr id="14" name="Picture 13" descr="Chart, scatter chart&#10;&#10;Description automatically generated">
+              <a:extLst>
+                <a:ext uri="{FF2B5EF4-FFF2-40B4-BE49-F238E27FC236}">
+                  <a16:creationId xmlns:a16="http://schemas.microsoft.com/office/drawing/2014/main" id="{34113DA2-D516-254A-9008-32AE6214A25E}"/>
+                </a:ext>
+              </a:extLst>
+            </p:cNvPr>
+            <p:cNvPicPr>
+              <a:picLocks noChangeAspect="1"/>
+            </p:cNvPicPr>
+            <p:nvPr/>
+          </p:nvPicPr>
+          <p:blipFill>
+            <a:blip r:embed="rId2"/>
+            <a:stretch>
+              <a:fillRect/>
+            </a:stretch>
+          </p:blipFill>
+          <p:spPr>
+            <a:xfrm>
+              <a:off x="7601555" y="2292860"/>
+              <a:ext cx="4773167" cy="2386584"/>
+            </a:xfrm>
+            <a:prstGeom prst="rect">
+              <a:avLst/>
+            </a:prstGeom>
+          </p:spPr>
+        </p:pic>
+        <p:sp>
+          <p:nvSpPr>
+            <p:cNvPr id="11" name="TextBox 10">
+              <a:extLst>
+                <a:ext uri="{FF2B5EF4-FFF2-40B4-BE49-F238E27FC236}">
+                  <a16:creationId xmlns:a16="http://schemas.microsoft.com/office/drawing/2014/main" id="{86B3C95F-0097-A84A-A1BB-96F60C7DC624}"/>
+                </a:ext>
+              </a:extLst>
+            </p:cNvPr>
+            <p:cNvSpPr txBox="1"/>
+            <p:nvPr/>
+          </p:nvSpPr>
+          <p:spPr>
+            <a:xfrm>
+              <a:off x="8345086" y="2280717"/>
+              <a:ext cx="3286104" cy="276999"/>
+            </a:xfrm>
+            <a:prstGeom prst="rect">
+              <a:avLst/>
+            </a:prstGeom>
+            <a:solidFill>
+              <a:schemeClr val="bg1"/>
+            </a:solidFill>
+          </p:spPr>
+          <p:txBody>
+            <a:bodyPr wrap="square" rtlCol="0">
+              <a:spAutoFit/>
+            </a:bodyPr>
+            <a:lstStyle/>
+            <a:p>
+              <a:pPr algn="ctr"/>
+              <a:r>
+                <a:rPr lang="en-US" sz="1200" dirty="0"/>
+                <a:t>Population Density vs. Mortality Rate</a:t>
+              </a:r>
+            </a:p>
+          </p:txBody>
+        </p:sp>
+      </p:grpSp>
+      <p:grpSp>
+        <p:nvGrpSpPr>
+          <p:cNvPr id="4" name="Group 3">
+            <a:extLst>
+              <a:ext uri="{FF2B5EF4-FFF2-40B4-BE49-F238E27FC236}">
+                <a16:creationId xmlns:a16="http://schemas.microsoft.com/office/drawing/2014/main" id="{83A54B5B-3BAB-A04E-9F09-3AF3FD115BE9}"/>
+              </a:ext>
+            </a:extLst>
+          </p:cNvPr>
+          <p:cNvGrpSpPr/>
+          <p:nvPr/>
+        </p:nvGrpSpPr>
+        <p:grpSpPr>
+          <a:xfrm>
+            <a:off x="-221495" y="4600585"/>
+            <a:ext cx="4773168" cy="2386585"/>
+            <a:chOff x="-221495" y="4600585"/>
+            <a:chExt cx="4773168" cy="2386585"/>
+          </a:xfrm>
+        </p:grpSpPr>
+        <p:pic>
+          <p:nvPicPr>
+            <p:cNvPr id="6" name="Picture 5" descr="Chart, scatter chart&#10;&#10;Description automatically generated">
+              <a:extLst>
+                <a:ext uri="{FF2B5EF4-FFF2-40B4-BE49-F238E27FC236}">
+                  <a16:creationId xmlns:a16="http://schemas.microsoft.com/office/drawing/2014/main" id="{AF6DA6C1-5E67-8743-A62C-44A8E95700B0}"/>
+                </a:ext>
+              </a:extLst>
+            </p:cNvPr>
+            <p:cNvPicPr>
+              <a:picLocks noChangeAspect="1"/>
+            </p:cNvPicPr>
+            <p:nvPr/>
+          </p:nvPicPr>
+          <p:blipFill>
+            <a:blip r:embed="rId3"/>
+            <a:stretch>
+              <a:fillRect/>
+            </a:stretch>
+          </p:blipFill>
+          <p:spPr>
+            <a:xfrm>
+              <a:off x="-221495" y="4600585"/>
+              <a:ext cx="4773168" cy="2386585"/>
+            </a:xfrm>
+            <a:prstGeom prst="rect">
+              <a:avLst/>
+            </a:prstGeom>
+          </p:spPr>
+        </p:pic>
+        <p:sp>
+          <p:nvSpPr>
+            <p:cNvPr id="15" name="TextBox 14">
+              <a:extLst>
+                <a:ext uri="{FF2B5EF4-FFF2-40B4-BE49-F238E27FC236}">
+                  <a16:creationId xmlns:a16="http://schemas.microsoft.com/office/drawing/2014/main" id="{AA6F72D1-D932-6E43-B9F4-F42FE63B8176}"/>
+                </a:ext>
+              </a:extLst>
+            </p:cNvPr>
+            <p:cNvSpPr txBox="1"/>
+            <p:nvPr/>
+          </p:nvSpPr>
+          <p:spPr>
+            <a:xfrm>
+              <a:off x="514649" y="4600585"/>
+              <a:ext cx="3286104" cy="276999"/>
+            </a:xfrm>
+            <a:prstGeom prst="rect">
+              <a:avLst/>
+            </a:prstGeom>
+            <a:solidFill>
+              <a:schemeClr val="bg1"/>
+            </a:solidFill>
+          </p:spPr>
+          <p:txBody>
+            <a:bodyPr wrap="square" rtlCol="0">
+              <a:spAutoFit/>
+            </a:bodyPr>
+            <a:lstStyle/>
+            <a:p>
+              <a:pPr algn="ctr"/>
+              <a:r>
+                <a:rPr lang="en-US" sz="1200" dirty="0"/>
+                <a:t>Life Expectancy vs. Mortality Rate</a:t>
+              </a:r>
+            </a:p>
+          </p:txBody>
+        </p:sp>
+      </p:grpSp>
+      <p:grpSp>
+        <p:nvGrpSpPr>
+          <p:cNvPr id="7" name="Group 6">
+            <a:extLst>
+              <a:ext uri="{FF2B5EF4-FFF2-40B4-BE49-F238E27FC236}">
+                <a16:creationId xmlns:a16="http://schemas.microsoft.com/office/drawing/2014/main" id="{E355A39C-4FB1-7D40-BC7D-792AFE25A0D7}"/>
+              </a:ext>
+            </a:extLst>
+          </p:cNvPr>
+          <p:cNvGrpSpPr/>
+          <p:nvPr/>
+        </p:nvGrpSpPr>
+        <p:grpSpPr>
+          <a:xfrm>
+            <a:off x="3752562" y="3398657"/>
+            <a:ext cx="4777085" cy="2392919"/>
+            <a:chOff x="3752562" y="3398657"/>
+            <a:chExt cx="4777085" cy="2392919"/>
+          </a:xfrm>
+        </p:grpSpPr>
+        <p:pic>
+          <p:nvPicPr>
+            <p:cNvPr id="17" name="Picture 16" descr="Chart, scatter chart&#10;&#10;Description automatically generated">
+              <a:extLst>
+                <a:ext uri="{FF2B5EF4-FFF2-40B4-BE49-F238E27FC236}">
+                  <a16:creationId xmlns:a16="http://schemas.microsoft.com/office/drawing/2014/main" id="{D69129E6-821A-B049-8B3D-59B3F0E74B8A}"/>
+                </a:ext>
+              </a:extLst>
+            </p:cNvPr>
+            <p:cNvPicPr>
+              <a:picLocks noChangeAspect="1"/>
+            </p:cNvPicPr>
+            <p:nvPr/>
+          </p:nvPicPr>
+          <p:blipFill>
+            <a:blip r:embed="rId4"/>
+            <a:stretch>
+              <a:fillRect/>
+            </a:stretch>
+          </p:blipFill>
+          <p:spPr>
+            <a:xfrm>
+              <a:off x="3752562" y="3403033"/>
+              <a:ext cx="4777085" cy="2388543"/>
+            </a:xfrm>
+            <a:prstGeom prst="rect">
+              <a:avLst/>
+            </a:prstGeom>
+          </p:spPr>
+        </p:pic>
+        <p:sp>
+          <p:nvSpPr>
+            <p:cNvPr id="18" name="TextBox 17">
+              <a:extLst>
+                <a:ext uri="{FF2B5EF4-FFF2-40B4-BE49-F238E27FC236}">
+                  <a16:creationId xmlns:a16="http://schemas.microsoft.com/office/drawing/2014/main" id="{C14CF39E-EA1E-AD49-A9FC-30A80D212B4F}"/>
+                </a:ext>
+              </a:extLst>
+            </p:cNvPr>
+            <p:cNvSpPr txBox="1"/>
+            <p:nvPr/>
+          </p:nvSpPr>
+          <p:spPr>
+            <a:xfrm>
+              <a:off x="4498052" y="3398657"/>
+              <a:ext cx="3286104" cy="276999"/>
+            </a:xfrm>
+            <a:prstGeom prst="rect">
+              <a:avLst/>
+            </a:prstGeom>
+            <a:solidFill>
+              <a:schemeClr val="bg1"/>
+            </a:solidFill>
+          </p:spPr>
+          <p:txBody>
+            <a:bodyPr wrap="square" rtlCol="0">
+              <a:spAutoFit/>
+            </a:bodyPr>
+            <a:lstStyle/>
+            <a:p>
+              <a:pPr algn="ctr"/>
+              <a:r>
+                <a:rPr lang="en-US" sz="1200" dirty="0"/>
+                <a:t>Population vs. Confirmed Cases per Capita</a:t>
+              </a:r>
+            </a:p>
+          </p:txBody>
+        </p:sp>
+      </p:grpSp>
     </p:spTree>
     <p:extLst>
       <p:ext uri="{BB962C8B-B14F-4D97-AF65-F5344CB8AC3E}">
-        <p14:creationId xmlns:p14="http://schemas.microsoft.com/office/powerpoint/2010/main" val="2941233062"/>
+        <p14:creationId xmlns:p14="http://schemas.microsoft.com/office/powerpoint/2010/main" val="391112317"/>
       </p:ext>
     </p:extLst>
   </p:cSld>
@@ -5371,7 +6685,7 @@
           <p:cNvPr id="2" name="Title 1">
             <a:extLst>
               <a:ext uri="{FF2B5EF4-FFF2-40B4-BE49-F238E27FC236}">
-                <a16:creationId xmlns:a16="http://schemas.microsoft.com/office/drawing/2014/main" id="{45579675-A1FC-B740-88F1-8539DC6CE494}"/>
+                <a16:creationId xmlns:a16="http://schemas.microsoft.com/office/drawing/2014/main" id="{2DD80C5F-6550-D447-AF8D-5C9818EB6D6F}"/>
               </a:ext>
             </a:extLst>
           </p:cNvPr>
@@ -5389,7 +6703,7 @@
           <a:p>
             <a:r>
               <a:rPr lang="en-US" dirty="0"/>
-              <a:t>Questions</a:t>
+              <a:t>Data Analysis</a:t>
             </a:r>
           </a:p>
         </p:txBody>
@@ -5399,7 +6713,7 @@
           <p:cNvPr id="3" name="Content Placeholder 2">
             <a:extLst>
               <a:ext uri="{FF2B5EF4-FFF2-40B4-BE49-F238E27FC236}">
-                <a16:creationId xmlns:a16="http://schemas.microsoft.com/office/drawing/2014/main" id="{1A0B7FBD-7D07-5F43-BB97-E4135189DC0B}"/>
+                <a16:creationId xmlns:a16="http://schemas.microsoft.com/office/drawing/2014/main" id="{5EE18536-EB70-7542-B2D5-74FE9ADEE509}"/>
               </a:ext>
             </a:extLst>
           </p:cNvPr>
@@ -5417,8 +6731,19 @@
           <a:p>
             <a:r>
               <a:rPr lang="en-US" dirty="0"/>
-              <a:t> Please ask questions if you have them. </a:t>
-            </a:r>
+              <a:t>* Present and discuss interesting figures developed during analysis, ideally with the help of </a:t>
+            </a:r>
+            <a:r>
+              <a:rPr lang="en-US" dirty="0" err="1"/>
+              <a:t>Jupyter</a:t>
+            </a:r>
+            <a:r>
+              <a:rPr lang="en-US" dirty="0"/>
+              <a:t> Notebook Can discrepancies between infection rate and mortality rate—such as a country with a high infection rate but a low mortality rate—be explained based on the given statistics?</a:t>
+            </a:r>
+          </a:p>
+          <a:p>
+            <a:endParaRPr lang="en-US" dirty="0"/>
           </a:p>
         </p:txBody>
       </p:sp>
@@ -5427,7 +6752,7 @@
           <p:cNvPr id="5" name="Date Placeholder 4">
             <a:extLst>
               <a:ext uri="{FF2B5EF4-FFF2-40B4-BE49-F238E27FC236}">
-                <a16:creationId xmlns:a16="http://schemas.microsoft.com/office/drawing/2014/main" id="{5876E40D-496E-8442-9A53-14D4129922F3}"/>
+                <a16:creationId xmlns:a16="http://schemas.microsoft.com/office/drawing/2014/main" id="{108DF1BC-1C40-5D4B-A154-9CB8EF287003}"/>
               </a:ext>
             </a:extLst>
           </p:cNvPr>
@@ -5443,9 +6768,9 @@
           <a:bodyPr/>
           <a:lstStyle/>
           <a:p>
-            <a:fld id="{9C4FDC29-DB2B-6149-83F6-C4B94239BAD3}" type="datetime1">
+            <a:fld id="{0C5A02C5-D8B9-DC40-AE7F-070B899EF35C}" type="datetime1">
               <a:rPr lang="en-US" smtClean="0"/>
-              <a:t>5/3/21</a:t>
+              <a:t>5/4/21</a:t>
             </a:fld>
             <a:endParaRPr lang="en-US"/>
           </a:p>
@@ -5454,7 +6779,7 @@
     </p:spTree>
     <p:extLst>
       <p:ext uri="{BB962C8B-B14F-4D97-AF65-F5344CB8AC3E}">
-        <p14:creationId xmlns:p14="http://schemas.microsoft.com/office/powerpoint/2010/main" val="2814917593"/>
+        <p14:creationId xmlns:p14="http://schemas.microsoft.com/office/powerpoint/2010/main" val="2424631559"/>
       </p:ext>
     </p:extLst>
   </p:cSld>
@@ -5486,7 +6811,7 @@
           <p:cNvPr id="2" name="Title 1">
             <a:extLst>
               <a:ext uri="{FF2B5EF4-FFF2-40B4-BE49-F238E27FC236}">
-                <a16:creationId xmlns:a16="http://schemas.microsoft.com/office/drawing/2014/main" id="{D72DE559-F5A7-1143-B4BB-52F85217B7B9}"/>
+                <a16:creationId xmlns:a16="http://schemas.microsoft.com/office/drawing/2014/main" id="{8994DD14-2607-3542-83C2-341C5E0AF3F1}"/>
               </a:ext>
             </a:extLst>
           </p:cNvPr>
@@ -5504,7 +6829,7 @@
           <a:p>
             <a:r>
               <a:rPr lang="en-US" dirty="0"/>
-              <a:t>Sources</a:t>
+              <a:t>Discussion</a:t>
             </a:r>
           </a:p>
         </p:txBody>
@@ -5514,7 +6839,7 @@
           <p:cNvPr id="3" name="Content Placeholder 2">
             <a:extLst>
               <a:ext uri="{FF2B5EF4-FFF2-40B4-BE49-F238E27FC236}">
-                <a16:creationId xmlns:a16="http://schemas.microsoft.com/office/drawing/2014/main" id="{F227D8F1-8A00-CE40-BF3D-60831EF84100}"/>
+                <a16:creationId xmlns:a16="http://schemas.microsoft.com/office/drawing/2014/main" id="{ABE2B146-F3ED-2541-9E7C-00423746D70F}"/>
               </a:ext>
             </a:extLst>
           </p:cNvPr>
@@ -5532,59 +6857,20 @@
           <a:p>
             <a:r>
               <a:rPr lang="en-US" dirty="0"/>
-              <a:t>API provided open-source by M-Media-Group, available at </a:t>
-            </a:r>
-            <a:r>
-              <a:rPr lang="en-US" dirty="0">
-                <a:hlinkClick r:id="rId2"/>
-              </a:rPr>
-              <a:t>https://github.com/M-Media-Group/Covid-19-API</a:t>
-            </a:r>
+              <a:t>* Discuss your findings. Did you find what you expected to find? If not, why not? What inferences or general conclusions can you draw from your analysis? </a:t>
+            </a:r>
+          </a:p>
+          <a:p>
             <a:endParaRPr lang="en-US" dirty="0"/>
           </a:p>
-          <a:p>
-            <a:r>
-              <a:rPr lang="en-US" dirty="0"/>
-              <a:t>COVID-19 stock image is public domain, provided by the CDC and available at </a:t>
-            </a:r>
-            <a:r>
-              <a:rPr lang="en-US" dirty="0">
-                <a:hlinkClick r:id="rId3"/>
-              </a:rPr>
-              <a:t>https://www.cdc.gov/media/subtopic/images.htm</a:t>
-            </a:r>
-            <a:endParaRPr lang="en-US" dirty="0"/>
-          </a:p>
-          <a:p>
-            <a:r>
-              <a:rPr lang="en-US" dirty="0"/>
-              <a:t>Information on the WHO Coronavirus (COVID-19) Dashboard was pulled from </a:t>
-            </a:r>
-            <a:r>
-              <a:rPr lang="en-US" dirty="0">
-                <a:hlinkClick r:id="rId4"/>
-              </a:rPr>
-              <a:t>https://covid19.who.int/</a:t>
-            </a:r>
-            <a:endParaRPr lang="en-US" dirty="0"/>
-          </a:p>
-          <a:p>
-            <a:pPr marL="0" indent="0">
-              <a:buNone/>
-            </a:pPr>
-            <a:endParaRPr lang="en-US" dirty="0"/>
-          </a:p>
-          <a:p>
-            <a:endParaRPr lang="en-US" dirty="0"/>
-          </a:p>
-        </p:txBody>
-      </p:sp>
-      <p:sp>
-        <p:nvSpPr>
-          <p:cNvPr id="4" name="Date Placeholder 3">
-            <a:extLst>
-              <a:ext uri="{FF2B5EF4-FFF2-40B4-BE49-F238E27FC236}">
-                <a16:creationId xmlns:a16="http://schemas.microsoft.com/office/drawing/2014/main" id="{BC366F44-73D2-2C46-84F7-ACF0FF4040D0}"/>
+        </p:txBody>
+      </p:sp>
+      <p:sp>
+        <p:nvSpPr>
+          <p:cNvPr id="5" name="Date Placeholder 4">
+            <a:extLst>
+              <a:ext uri="{FF2B5EF4-FFF2-40B4-BE49-F238E27FC236}">
+                <a16:creationId xmlns:a16="http://schemas.microsoft.com/office/drawing/2014/main" id="{08A2A5FB-0B98-164D-AE5F-09B8A41C4E67}"/>
               </a:ext>
             </a:extLst>
           </p:cNvPr>
@@ -5600,7 +6886,7 @@
           <a:bodyPr/>
           <a:lstStyle/>
           <a:p>
-            <a:fld id="{A409A287-AB84-2B48-8941-6388C7B9D3BC}" type="datetime1">
+            <a:fld id="{6CEC29A3-46B9-D849-806C-72872CA2C4DD}" type="datetime1">
               <a:rPr lang="en-US" smtClean="0"/>
               <a:t>5/4/21</a:t>
             </a:fld>
@@ -5611,7 +6897,7 @@
     </p:spTree>
     <p:extLst>
       <p:ext uri="{BB962C8B-B14F-4D97-AF65-F5344CB8AC3E}">
-        <p14:creationId xmlns:p14="http://schemas.microsoft.com/office/powerpoint/2010/main" val="3731275910"/>
+        <p14:creationId xmlns:p14="http://schemas.microsoft.com/office/powerpoint/2010/main" val="2770733020"/>
       </p:ext>
     </p:extLst>
   </p:cSld>

--- a/Presentation.pptx
+++ b/Presentation.pptx
@@ -5,10 +5,10 @@
     <p:sldMasterId id="2147483648" r:id="rId1"/>
   </p:sldMasterIdLst>
   <p:notesMasterIdLst>
-    <p:notesMasterId r:id="rId14"/>
+    <p:notesMasterId r:id="rId17"/>
   </p:notesMasterIdLst>
   <p:handoutMasterIdLst>
-    <p:handoutMasterId r:id="rId15"/>
+    <p:handoutMasterId r:id="rId18"/>
   </p:handoutMasterIdLst>
   <p:sldIdLst>
     <p:sldId id="256" r:id="rId2"/>
@@ -17,12 +17,15 @@
     <p:sldId id="259" r:id="rId5"/>
     <p:sldId id="260" r:id="rId6"/>
     <p:sldId id="261" r:id="rId7"/>
-    <p:sldId id="266" r:id="rId8"/>
-    <p:sldId id="265" r:id="rId9"/>
-    <p:sldId id="267" r:id="rId10"/>
-    <p:sldId id="262" r:id="rId11"/>
-    <p:sldId id="263" r:id="rId12"/>
-    <p:sldId id="264" r:id="rId13"/>
+    <p:sldId id="268" r:id="rId8"/>
+    <p:sldId id="266" r:id="rId9"/>
+    <p:sldId id="269" r:id="rId10"/>
+    <p:sldId id="270" r:id="rId11"/>
+    <p:sldId id="265" r:id="rId12"/>
+    <p:sldId id="267" r:id="rId13"/>
+    <p:sldId id="262" r:id="rId14"/>
+    <p:sldId id="263" r:id="rId15"/>
+    <p:sldId id="264" r:id="rId16"/>
   </p:sldIdLst>
   <p:sldSz cx="12192000" cy="6858000"/>
   <p:notesSz cx="6858000" cy="9144000"/>
@@ -4146,7 +4149,7 @@
           <p:cNvPr id="2" name="Title 1">
             <a:extLst>
               <a:ext uri="{FF2B5EF4-FFF2-40B4-BE49-F238E27FC236}">
-                <a16:creationId xmlns:a16="http://schemas.microsoft.com/office/drawing/2014/main" id="{18C3B658-69C8-794E-B749-02FAA80AFE73}"/>
+                <a16:creationId xmlns:a16="http://schemas.microsoft.com/office/drawing/2014/main" id="{2DD80C5F-6550-D447-AF8D-5C9818EB6D6F}"/>
               </a:ext>
             </a:extLst>
           </p:cNvPr>
@@ -4164,7 +4167,7 @@
           <a:p>
             <a:r>
               <a:rPr lang="en-US" dirty="0"/>
-              <a:t>Post-Mortem</a:t>
+              <a:t>Data Analysis</a:t>
             </a:r>
           </a:p>
         </p:txBody>
@@ -4174,7 +4177,7 @@
           <p:cNvPr id="3" name="Content Placeholder 2">
             <a:extLst>
               <a:ext uri="{FF2B5EF4-FFF2-40B4-BE49-F238E27FC236}">
-                <a16:creationId xmlns:a16="http://schemas.microsoft.com/office/drawing/2014/main" id="{A0AE2227-B8E4-D247-BF72-0B12CFC1E7D7}"/>
+                <a16:creationId xmlns:a16="http://schemas.microsoft.com/office/drawing/2014/main" id="{5EE18536-EB70-7542-B2D5-74FE9ADEE509}"/>
               </a:ext>
             </a:extLst>
           </p:cNvPr>
@@ -4190,55 +4193,22 @@
           <a:bodyPr/>
           <a:lstStyle/>
           <a:p>
-            <a:pPr marL="0" indent="0">
-              <a:buNone/>
-            </a:pPr>
-            <a:r>
-              <a:rPr lang="en-US" dirty="0"/>
-              <a:t>Discuss any difficulties that arose, and how you dealt with them</a:t>
-            </a:r>
-          </a:p>
-          <a:p>
-            <a:r>
-              <a:rPr lang="en-US" dirty="0"/>
-              <a:t>With two more weeks, two possible project extensions would be interesting to explore:</a:t>
-            </a:r>
-          </a:p>
-          <a:p>
-            <a:pPr lvl="1"/>
-            <a:r>
-              <a:rPr lang="en-US" dirty="0"/>
-              <a:t>The M-Media-Group API had several other categories of data available—history and vaccines—which would be interesting to add to our existing data</a:t>
-            </a:r>
-          </a:p>
-          <a:p>
-            <a:pPr lvl="2"/>
-            <a:r>
-              <a:rPr lang="en-US" dirty="0"/>
-              <a:t>History data would solve the problem of not being able to track infection and deaths over time, bringing this API’s utility closer to more established sources</a:t>
-            </a:r>
-          </a:p>
-          <a:p>
-            <a:pPr lvl="2"/>
-            <a:r>
-              <a:rPr lang="en-US" dirty="0"/>
-              <a:t>Vaccine data would decrease one of the variables that is currently unchecked in our dataset, especially when combined with infection rates over time and additional sources on vaccine distribution dates by country</a:t>
-            </a:r>
-          </a:p>
-          <a:p>
-            <a:pPr lvl="1"/>
-            <a:r>
-              <a:rPr lang="en-US" dirty="0"/>
-              <a:t>Comparing more established international healthcare data sources across the same geographies as were examined with the M-Media-Group API would give an interesting view of each source’s differences, as we could contrast their breadth and utility</a:t>
-            </a:r>
-          </a:p>
-          <a:p>
-            <a:pPr lvl="1"/>
+            <a:r>
+              <a:rPr lang="en-US" dirty="0"/>
+              <a:t>* Present and discuss interesting figures developed during analysis, ideally with the help of </a:t>
+            </a:r>
+            <a:r>
+              <a:rPr lang="en-US" dirty="0" err="1"/>
+              <a:t>Jupyter</a:t>
+            </a:r>
+            <a:r>
+              <a:rPr lang="en-US" dirty="0"/>
+              <a:t> Notebook Do any of the provided demographic statistics have strong correlations with infection or mortality rate?</a:t>
+            </a:r>
+          </a:p>
+          <a:p>
             <a:endParaRPr lang="en-US" dirty="0"/>
           </a:p>
-          <a:p>
-            <a:endParaRPr lang="en-US" dirty="0"/>
-          </a:p>
         </p:txBody>
       </p:sp>
       <p:sp>
@@ -4246,7 +4216,7 @@
           <p:cNvPr id="5" name="Date Placeholder 4">
             <a:extLst>
               <a:ext uri="{FF2B5EF4-FFF2-40B4-BE49-F238E27FC236}">
-                <a16:creationId xmlns:a16="http://schemas.microsoft.com/office/drawing/2014/main" id="{8F4087F8-DE41-C24B-9426-96DCFE9B292F}"/>
+                <a16:creationId xmlns:a16="http://schemas.microsoft.com/office/drawing/2014/main" id="{108DF1BC-1C40-5D4B-A154-9CB8EF287003}"/>
               </a:ext>
             </a:extLst>
           </p:cNvPr>
@@ -4262,7 +4232,7 @@
           <a:bodyPr/>
           <a:lstStyle/>
           <a:p>
-            <a:fld id="{99495DA7-756C-CE46-9AFF-D902797D5119}" type="datetime1">
+            <a:fld id="{0C5A02C5-D8B9-DC40-AE7F-070B899EF35C}" type="datetime1">
               <a:rPr lang="en-US" smtClean="0"/>
               <a:t>5/4/21</a:t>
             </a:fld>
@@ -4270,10 +4240,99 @@
           </a:p>
         </p:txBody>
       </p:sp>
+      <p:grpSp>
+        <p:nvGrpSpPr>
+          <p:cNvPr id="9" name="Group 8">
+            <a:extLst>
+              <a:ext uri="{FF2B5EF4-FFF2-40B4-BE49-F238E27FC236}">
+                <a16:creationId xmlns:a16="http://schemas.microsoft.com/office/drawing/2014/main" id="{268ECA6E-FDE9-F24B-85EE-44C7705B9FB1}"/>
+              </a:ext>
+            </a:extLst>
+          </p:cNvPr>
+          <p:cNvGrpSpPr/>
+          <p:nvPr/>
+        </p:nvGrpSpPr>
+        <p:grpSpPr>
+          <a:xfrm>
+            <a:off x="7601555" y="2280717"/>
+            <a:ext cx="4773167" cy="2398727"/>
+            <a:chOff x="7601555" y="2280717"/>
+            <a:chExt cx="4773167" cy="2398727"/>
+          </a:xfrm>
+        </p:grpSpPr>
+        <p:pic>
+          <p:nvPicPr>
+            <p:cNvPr id="14" name="Picture 13" descr="Chart, scatter chart&#10;&#10;Description automatically generated">
+              <a:extLst>
+                <a:ext uri="{FF2B5EF4-FFF2-40B4-BE49-F238E27FC236}">
+                  <a16:creationId xmlns:a16="http://schemas.microsoft.com/office/drawing/2014/main" id="{34113DA2-D516-254A-9008-32AE6214A25E}"/>
+                </a:ext>
+              </a:extLst>
+            </p:cNvPr>
+            <p:cNvPicPr>
+              <a:picLocks noChangeAspect="1"/>
+            </p:cNvPicPr>
+            <p:nvPr/>
+          </p:nvPicPr>
+          <p:blipFill>
+            <a:blip r:embed="rId2"/>
+            <a:stretch>
+              <a:fillRect/>
+            </a:stretch>
+          </p:blipFill>
+          <p:spPr>
+            <a:xfrm>
+              <a:off x="7601555" y="2292860"/>
+              <a:ext cx="4773167" cy="2386584"/>
+            </a:xfrm>
+            <a:prstGeom prst="rect">
+              <a:avLst/>
+            </a:prstGeom>
+          </p:spPr>
+        </p:pic>
+        <p:sp>
+          <p:nvSpPr>
+            <p:cNvPr id="11" name="TextBox 10">
+              <a:extLst>
+                <a:ext uri="{FF2B5EF4-FFF2-40B4-BE49-F238E27FC236}">
+                  <a16:creationId xmlns:a16="http://schemas.microsoft.com/office/drawing/2014/main" id="{86B3C95F-0097-A84A-A1BB-96F60C7DC624}"/>
+                </a:ext>
+              </a:extLst>
+            </p:cNvPr>
+            <p:cNvSpPr txBox="1"/>
+            <p:nvPr/>
+          </p:nvSpPr>
+          <p:spPr>
+            <a:xfrm>
+              <a:off x="8345086" y="2280717"/>
+              <a:ext cx="3286104" cy="276999"/>
+            </a:xfrm>
+            <a:prstGeom prst="rect">
+              <a:avLst/>
+            </a:prstGeom>
+            <a:solidFill>
+              <a:schemeClr val="bg1"/>
+            </a:solidFill>
+          </p:spPr>
+          <p:txBody>
+            <a:bodyPr wrap="square" rtlCol="0">
+              <a:spAutoFit/>
+            </a:bodyPr>
+            <a:lstStyle/>
+            <a:p>
+              <a:pPr algn="ctr"/>
+              <a:r>
+                <a:rPr lang="en-US" sz="1200" dirty="0"/>
+                <a:t>Population Density vs. Mortality Rate</a:t>
+              </a:r>
+            </a:p>
+          </p:txBody>
+        </p:sp>
+      </p:grpSp>
     </p:spTree>
     <p:extLst>
       <p:ext uri="{BB962C8B-B14F-4D97-AF65-F5344CB8AC3E}">
-        <p14:creationId xmlns:p14="http://schemas.microsoft.com/office/powerpoint/2010/main" val="2941233062"/>
+        <p14:creationId xmlns:p14="http://schemas.microsoft.com/office/powerpoint/2010/main" val="3774418358"/>
       </p:ext>
     </p:extLst>
   </p:cSld>
@@ -4305,6 +4364,424 @@
           <p:cNvPr id="2" name="Title 1">
             <a:extLst>
               <a:ext uri="{FF2B5EF4-FFF2-40B4-BE49-F238E27FC236}">
+                <a16:creationId xmlns:a16="http://schemas.microsoft.com/office/drawing/2014/main" id="{2DD80C5F-6550-D447-AF8D-5C9818EB6D6F}"/>
+              </a:ext>
+            </a:extLst>
+          </p:cNvPr>
+          <p:cNvSpPr>
+            <a:spLocks noGrp="1"/>
+          </p:cNvSpPr>
+          <p:nvPr>
+            <p:ph type="title"/>
+          </p:nvPr>
+        </p:nvSpPr>
+        <p:spPr/>
+        <p:txBody>
+          <a:bodyPr/>
+          <a:lstStyle/>
+          <a:p>
+            <a:r>
+              <a:rPr lang="en-US" dirty="0"/>
+              <a:t>Data Analysis</a:t>
+            </a:r>
+          </a:p>
+        </p:txBody>
+      </p:sp>
+      <p:sp>
+        <p:nvSpPr>
+          <p:cNvPr id="3" name="Content Placeholder 2">
+            <a:extLst>
+              <a:ext uri="{FF2B5EF4-FFF2-40B4-BE49-F238E27FC236}">
+                <a16:creationId xmlns:a16="http://schemas.microsoft.com/office/drawing/2014/main" id="{5EE18536-EB70-7542-B2D5-74FE9ADEE509}"/>
+              </a:ext>
+            </a:extLst>
+          </p:cNvPr>
+          <p:cNvSpPr>
+            <a:spLocks noGrp="1"/>
+          </p:cNvSpPr>
+          <p:nvPr>
+            <p:ph idx="1"/>
+          </p:nvPr>
+        </p:nvSpPr>
+        <p:spPr/>
+        <p:txBody>
+          <a:bodyPr/>
+          <a:lstStyle/>
+          <a:p>
+            <a:r>
+              <a:rPr lang="en-US" dirty="0"/>
+              <a:t>* Present and discuss interesting figures developed during analysis, ideally with the help of </a:t>
+            </a:r>
+            <a:r>
+              <a:rPr lang="en-US" dirty="0" err="1"/>
+              <a:t>Jupyter</a:t>
+            </a:r>
+            <a:r>
+              <a:rPr lang="en-US" dirty="0"/>
+              <a:t> Notebook </a:t>
+            </a:r>
+          </a:p>
+          <a:p>
+            <a:r>
+              <a:rPr lang="en-US" dirty="0"/>
+              <a:t>Can discrepancies between infection rate and mortality rate—such as a country with a high infection rate but a low mortality rate—be explained based on the given statistics?</a:t>
+            </a:r>
+          </a:p>
+          <a:p>
+            <a:endParaRPr lang="en-US" dirty="0"/>
+          </a:p>
+        </p:txBody>
+      </p:sp>
+      <p:sp>
+        <p:nvSpPr>
+          <p:cNvPr id="5" name="Date Placeholder 4">
+            <a:extLst>
+              <a:ext uri="{FF2B5EF4-FFF2-40B4-BE49-F238E27FC236}">
+                <a16:creationId xmlns:a16="http://schemas.microsoft.com/office/drawing/2014/main" id="{108DF1BC-1C40-5D4B-A154-9CB8EF287003}"/>
+              </a:ext>
+            </a:extLst>
+          </p:cNvPr>
+          <p:cNvSpPr>
+            <a:spLocks noGrp="1"/>
+          </p:cNvSpPr>
+          <p:nvPr>
+            <p:ph type="dt" sz="half" idx="10"/>
+          </p:nvPr>
+        </p:nvSpPr>
+        <p:spPr/>
+        <p:txBody>
+          <a:bodyPr/>
+          <a:lstStyle/>
+          <a:p>
+            <a:fld id="{0C5A02C5-D8B9-DC40-AE7F-070B899EF35C}" type="datetime1">
+              <a:rPr lang="en-US" smtClean="0"/>
+              <a:t>5/4/21</a:t>
+            </a:fld>
+            <a:endParaRPr lang="en-US"/>
+          </a:p>
+        </p:txBody>
+      </p:sp>
+    </p:spTree>
+    <p:extLst>
+      <p:ext uri="{BB962C8B-B14F-4D97-AF65-F5344CB8AC3E}">
+        <p14:creationId xmlns:p14="http://schemas.microsoft.com/office/powerpoint/2010/main" val="2424631559"/>
+      </p:ext>
+    </p:extLst>
+  </p:cSld>
+  <p:clrMapOvr>
+    <a:masterClrMapping/>
+  </p:clrMapOvr>
+</p:sld>
+</file>
+
+<file path=ppt/slides/slide12.xml><?xml version="1.0" encoding="utf-8"?>
+<p:sld xmlns:a="http://schemas.openxmlformats.org/drawingml/2006/main" xmlns:r="http://schemas.openxmlformats.org/officeDocument/2006/relationships" xmlns:p="http://schemas.openxmlformats.org/presentationml/2006/main">
+  <p:cSld>
+    <p:spTree>
+      <p:nvGrpSpPr>
+        <p:cNvPr id="1" name=""/>
+        <p:cNvGrpSpPr/>
+        <p:nvPr/>
+      </p:nvGrpSpPr>
+      <p:grpSpPr>
+        <a:xfrm>
+          <a:off x="0" y="0"/>
+          <a:ext cx="0" cy="0"/>
+          <a:chOff x="0" y="0"/>
+          <a:chExt cx="0" cy="0"/>
+        </a:xfrm>
+      </p:grpSpPr>
+      <p:sp>
+        <p:nvSpPr>
+          <p:cNvPr id="2" name="Title 1">
+            <a:extLst>
+              <a:ext uri="{FF2B5EF4-FFF2-40B4-BE49-F238E27FC236}">
+                <a16:creationId xmlns:a16="http://schemas.microsoft.com/office/drawing/2014/main" id="{8994DD14-2607-3542-83C2-341C5E0AF3F1}"/>
+              </a:ext>
+            </a:extLst>
+          </p:cNvPr>
+          <p:cNvSpPr>
+            <a:spLocks noGrp="1"/>
+          </p:cNvSpPr>
+          <p:nvPr>
+            <p:ph type="title"/>
+          </p:nvPr>
+        </p:nvSpPr>
+        <p:spPr/>
+        <p:txBody>
+          <a:bodyPr/>
+          <a:lstStyle/>
+          <a:p>
+            <a:r>
+              <a:rPr lang="en-US" dirty="0"/>
+              <a:t>Discussion</a:t>
+            </a:r>
+          </a:p>
+        </p:txBody>
+      </p:sp>
+      <p:sp>
+        <p:nvSpPr>
+          <p:cNvPr id="3" name="Content Placeholder 2">
+            <a:extLst>
+              <a:ext uri="{FF2B5EF4-FFF2-40B4-BE49-F238E27FC236}">
+                <a16:creationId xmlns:a16="http://schemas.microsoft.com/office/drawing/2014/main" id="{ABE2B146-F3ED-2541-9E7C-00423746D70F}"/>
+              </a:ext>
+            </a:extLst>
+          </p:cNvPr>
+          <p:cNvSpPr>
+            <a:spLocks noGrp="1"/>
+          </p:cNvSpPr>
+          <p:nvPr>
+            <p:ph idx="1"/>
+          </p:nvPr>
+        </p:nvSpPr>
+        <p:spPr/>
+        <p:txBody>
+          <a:bodyPr/>
+          <a:lstStyle/>
+          <a:p>
+            <a:r>
+              <a:rPr lang="en-US" dirty="0"/>
+              <a:t>* Discuss your findings. Did you find what you expected to find? If not, why not? What inferences or general conclusions can you draw from your analysis? </a:t>
+            </a:r>
+          </a:p>
+          <a:p>
+            <a:endParaRPr lang="en-US" dirty="0"/>
+          </a:p>
+        </p:txBody>
+      </p:sp>
+      <p:sp>
+        <p:nvSpPr>
+          <p:cNvPr id="5" name="Date Placeholder 4">
+            <a:extLst>
+              <a:ext uri="{FF2B5EF4-FFF2-40B4-BE49-F238E27FC236}">
+                <a16:creationId xmlns:a16="http://schemas.microsoft.com/office/drawing/2014/main" id="{08A2A5FB-0B98-164D-AE5F-09B8A41C4E67}"/>
+              </a:ext>
+            </a:extLst>
+          </p:cNvPr>
+          <p:cNvSpPr>
+            <a:spLocks noGrp="1"/>
+          </p:cNvSpPr>
+          <p:nvPr>
+            <p:ph type="dt" sz="half" idx="10"/>
+          </p:nvPr>
+        </p:nvSpPr>
+        <p:spPr/>
+        <p:txBody>
+          <a:bodyPr/>
+          <a:lstStyle/>
+          <a:p>
+            <a:fld id="{6CEC29A3-46B9-D849-806C-72872CA2C4DD}" type="datetime1">
+              <a:rPr lang="en-US" smtClean="0"/>
+              <a:t>5/4/21</a:t>
+            </a:fld>
+            <a:endParaRPr lang="en-US"/>
+          </a:p>
+        </p:txBody>
+      </p:sp>
+    </p:spTree>
+    <p:extLst>
+      <p:ext uri="{BB962C8B-B14F-4D97-AF65-F5344CB8AC3E}">
+        <p14:creationId xmlns:p14="http://schemas.microsoft.com/office/powerpoint/2010/main" val="2770733020"/>
+      </p:ext>
+    </p:extLst>
+  </p:cSld>
+  <p:clrMapOvr>
+    <a:masterClrMapping/>
+  </p:clrMapOvr>
+</p:sld>
+</file>
+
+<file path=ppt/slides/slide13.xml><?xml version="1.0" encoding="utf-8"?>
+<p:sld xmlns:a="http://schemas.openxmlformats.org/drawingml/2006/main" xmlns:r="http://schemas.openxmlformats.org/officeDocument/2006/relationships" xmlns:p="http://schemas.openxmlformats.org/presentationml/2006/main">
+  <p:cSld>
+    <p:spTree>
+      <p:nvGrpSpPr>
+        <p:cNvPr id="1" name=""/>
+        <p:cNvGrpSpPr/>
+        <p:nvPr/>
+      </p:nvGrpSpPr>
+      <p:grpSpPr>
+        <a:xfrm>
+          <a:off x="0" y="0"/>
+          <a:ext cx="0" cy="0"/>
+          <a:chOff x="0" y="0"/>
+          <a:chExt cx="0" cy="0"/>
+        </a:xfrm>
+      </p:grpSpPr>
+      <p:sp>
+        <p:nvSpPr>
+          <p:cNvPr id="2" name="Title 1">
+            <a:extLst>
+              <a:ext uri="{FF2B5EF4-FFF2-40B4-BE49-F238E27FC236}">
+                <a16:creationId xmlns:a16="http://schemas.microsoft.com/office/drawing/2014/main" id="{18C3B658-69C8-794E-B749-02FAA80AFE73}"/>
+              </a:ext>
+            </a:extLst>
+          </p:cNvPr>
+          <p:cNvSpPr>
+            <a:spLocks noGrp="1"/>
+          </p:cNvSpPr>
+          <p:nvPr>
+            <p:ph type="title"/>
+          </p:nvPr>
+        </p:nvSpPr>
+        <p:spPr/>
+        <p:txBody>
+          <a:bodyPr/>
+          <a:lstStyle/>
+          <a:p>
+            <a:r>
+              <a:rPr lang="en-US" dirty="0"/>
+              <a:t>Post-Mortem</a:t>
+            </a:r>
+          </a:p>
+        </p:txBody>
+      </p:sp>
+      <p:sp>
+        <p:nvSpPr>
+          <p:cNvPr id="3" name="Content Placeholder 2">
+            <a:extLst>
+              <a:ext uri="{FF2B5EF4-FFF2-40B4-BE49-F238E27FC236}">
+                <a16:creationId xmlns:a16="http://schemas.microsoft.com/office/drawing/2014/main" id="{A0AE2227-B8E4-D247-BF72-0B12CFC1E7D7}"/>
+              </a:ext>
+            </a:extLst>
+          </p:cNvPr>
+          <p:cNvSpPr>
+            <a:spLocks noGrp="1"/>
+          </p:cNvSpPr>
+          <p:nvPr>
+            <p:ph idx="1"/>
+          </p:nvPr>
+        </p:nvSpPr>
+        <p:spPr/>
+        <p:txBody>
+          <a:bodyPr/>
+          <a:lstStyle/>
+          <a:p>
+            <a:r>
+              <a:rPr lang="en-US" dirty="0"/>
+              <a:t>Discuss any difficulties that arose, and how you dealt with them</a:t>
+            </a:r>
+          </a:p>
+          <a:p>
+            <a:r>
+              <a:rPr lang="en-US" dirty="0"/>
+              <a:t>Mortality rates in non-covid years</a:t>
+            </a:r>
+          </a:p>
+          <a:p>
+            <a:r>
+              <a:rPr lang="en-US" dirty="0"/>
+              <a:t>Compare to 1918 pandemic </a:t>
+            </a:r>
+          </a:p>
+          <a:p>
+            <a:r>
+              <a:rPr lang="en-US" dirty="0"/>
+              <a:t>With two more weeks, two possible project extensions would be interesting to explore:</a:t>
+            </a:r>
+          </a:p>
+          <a:p>
+            <a:pPr lvl="1"/>
+            <a:r>
+              <a:rPr lang="en-US" dirty="0"/>
+              <a:t>The M-Media-Group API had several other categories of data available—history and vaccines—which would be interesting to add to our existing data</a:t>
+            </a:r>
+          </a:p>
+          <a:p>
+            <a:pPr lvl="2"/>
+            <a:r>
+              <a:rPr lang="en-US" dirty="0"/>
+              <a:t>History data would solve the problem of not being able to track infection and deaths over time, bringing this API’s utility closer to more established sources</a:t>
+            </a:r>
+          </a:p>
+          <a:p>
+            <a:pPr lvl="2"/>
+            <a:r>
+              <a:rPr lang="en-US" dirty="0"/>
+              <a:t>Vaccine data would decrease one of the variables that is currently unchecked in our dataset, especially when combined with infection rates over time and additional sources on vaccine distribution dates by country</a:t>
+            </a:r>
+          </a:p>
+          <a:p>
+            <a:pPr lvl="1"/>
+            <a:r>
+              <a:rPr lang="en-US" dirty="0"/>
+              <a:t>Comparing more established international healthcare data sources across the same geographies as were examined with the M-Media-Group API would give an interesting view of each source’s differences, as we could contrast their breadth and utility</a:t>
+            </a:r>
+          </a:p>
+          <a:p>
+            <a:pPr lvl="1"/>
+            <a:endParaRPr lang="en-US" dirty="0"/>
+          </a:p>
+          <a:p>
+            <a:endParaRPr lang="en-US" dirty="0"/>
+          </a:p>
+        </p:txBody>
+      </p:sp>
+      <p:sp>
+        <p:nvSpPr>
+          <p:cNvPr id="5" name="Date Placeholder 4">
+            <a:extLst>
+              <a:ext uri="{FF2B5EF4-FFF2-40B4-BE49-F238E27FC236}">
+                <a16:creationId xmlns:a16="http://schemas.microsoft.com/office/drawing/2014/main" id="{8F4087F8-DE41-C24B-9426-96DCFE9B292F}"/>
+              </a:ext>
+            </a:extLst>
+          </p:cNvPr>
+          <p:cNvSpPr>
+            <a:spLocks noGrp="1"/>
+          </p:cNvSpPr>
+          <p:nvPr>
+            <p:ph type="dt" sz="half" idx="10"/>
+          </p:nvPr>
+        </p:nvSpPr>
+        <p:spPr/>
+        <p:txBody>
+          <a:bodyPr/>
+          <a:lstStyle/>
+          <a:p>
+            <a:fld id="{99495DA7-756C-CE46-9AFF-D902797D5119}" type="datetime1">
+              <a:rPr lang="en-US" smtClean="0"/>
+              <a:t>5/4/21</a:t>
+            </a:fld>
+            <a:endParaRPr lang="en-US"/>
+          </a:p>
+        </p:txBody>
+      </p:sp>
+    </p:spTree>
+    <p:extLst>
+      <p:ext uri="{BB962C8B-B14F-4D97-AF65-F5344CB8AC3E}">
+        <p14:creationId xmlns:p14="http://schemas.microsoft.com/office/powerpoint/2010/main" val="2941233062"/>
+      </p:ext>
+    </p:extLst>
+  </p:cSld>
+  <p:clrMapOvr>
+    <a:masterClrMapping/>
+  </p:clrMapOvr>
+</p:sld>
+</file>
+
+<file path=ppt/slides/slide14.xml><?xml version="1.0" encoding="utf-8"?>
+<p:sld xmlns:a="http://schemas.openxmlformats.org/drawingml/2006/main" xmlns:r="http://schemas.openxmlformats.org/officeDocument/2006/relationships" xmlns:p="http://schemas.openxmlformats.org/presentationml/2006/main">
+  <p:cSld>
+    <p:spTree>
+      <p:nvGrpSpPr>
+        <p:cNvPr id="1" name=""/>
+        <p:cNvGrpSpPr/>
+        <p:nvPr/>
+      </p:nvGrpSpPr>
+      <p:grpSpPr>
+        <a:xfrm>
+          <a:off x="0" y="0"/>
+          <a:ext cx="0" cy="0"/>
+          <a:chOff x="0" y="0"/>
+          <a:chExt cx="0" cy="0"/>
+        </a:xfrm>
+      </p:grpSpPr>
+      <p:sp>
+        <p:nvSpPr>
+          <p:cNvPr id="2" name="Title 1">
+            <a:extLst>
+              <a:ext uri="{FF2B5EF4-FFF2-40B4-BE49-F238E27FC236}">
                 <a16:creationId xmlns:a16="http://schemas.microsoft.com/office/drawing/2014/main" id="{45579675-A1FC-B740-88F1-8539DC6CE494}"/>
               </a:ext>
             </a:extLst>
@@ -4398,7 +4875,7 @@
 </p:sld>
 </file>
 
-<file path=ppt/slides/slide12.xml><?xml version="1.0" encoding="utf-8"?>
+<file path=ppt/slides/slide15.xml><?xml version="1.0" encoding="utf-8"?>
 <p:sld xmlns:a="http://schemas.openxmlformats.org/drawingml/2006/main" xmlns:r="http://schemas.openxmlformats.org/officeDocument/2006/relationships" xmlns:p="http://schemas.openxmlformats.org/presentationml/2006/main">
   <p:cSld>
     <p:spTree>
@@ -4631,7 +5108,7 @@
             </a:pPr>
             <a:r>
               <a:rPr lang="en-US" dirty="0"/>
-              <a:t>Healthcare data in the US is notoriously difficult to find. There are currently a select few sources able to report accurate and timely statistics, at least in part due to HIPPA regulations and the availability of claims data. </a:t>
+              <a:t>Healthcare data in the US is notoriously difficult to find. There are currently a select few sources able to report accurate and timely statistics, at least in pa    rt due to HIPPA regulations and the availability of claims data. </a:t>
             </a:r>
           </a:p>
           <a:p>
@@ -5108,7 +5585,7 @@
           <a:p>
             <a:r>
               <a:rPr lang="en-US" dirty="0"/>
-              <a:t> One of the most interesting problems we encountered with this dataset was its structure—fields were grouped geographically rather than by summary value, so the json could not be directly loaded into a </a:t>
+              <a:t>One of the most interesting problems we encountered with this dataset was its structure—fields were grouped geographically rather than by summary value, so the json could not be directly loaded into a </a:t>
             </a:r>
             <a:r>
               <a:rPr lang="en-US" dirty="0" err="1"/>
@@ -5131,6 +5608,20 @@
             <a:r>
               <a:rPr lang="en-US" dirty="0"/>
               <a:t>, but the process of working through why its statistics looked suspect was valuable. </a:t>
+            </a:r>
+          </a:p>
+          <a:p>
+            <a:pPr lvl="1"/>
+            <a:r>
+              <a:rPr lang="en-US" dirty="0"/>
+              <a:t>Add in the fact that smaller “nested” geographies did not contain all statistics, so filtering for regions with “all” both gave more fields to work with and narrowed down geography type to “country”</a:t>
+            </a:r>
+          </a:p>
+          <a:p>
+            <a:pPr lvl="1"/>
+            <a:r>
+              <a:rPr lang="en-US" dirty="0"/>
+              <a:t>Add in that we created per capita and pop density columns based on given population columns</a:t>
             </a:r>
           </a:p>
         </p:txBody>
@@ -5186,7 +5677,7 @@
         </p:blipFill>
         <p:spPr>
           <a:xfrm>
-            <a:off x="6620511" y="3964211"/>
+            <a:off x="6620511" y="4327465"/>
             <a:ext cx="3904623" cy="2477444"/>
           </a:xfrm>
           <a:prstGeom prst="rect">
@@ -5214,7 +5705,7 @@
         </p:nvGrpSpPr>
         <p:grpSpPr>
           <a:xfrm>
-            <a:off x="715090" y="3624750"/>
+            <a:off x="715090" y="3988004"/>
             <a:ext cx="5761918" cy="2869386"/>
             <a:chOff x="715090" y="3624750"/>
             <a:chExt cx="5761918" cy="2869386"/>
@@ -6081,95 +6572,6 @@
       </p:sp>
       <p:grpSp>
         <p:nvGrpSpPr>
-          <p:cNvPr id="16" name="Group 15">
-            <a:extLst>
-              <a:ext uri="{FF2B5EF4-FFF2-40B4-BE49-F238E27FC236}">
-                <a16:creationId xmlns:a16="http://schemas.microsoft.com/office/drawing/2014/main" id="{469E7BA2-5B60-F64F-87B4-924C673530A7}"/>
-              </a:ext>
-            </a:extLst>
-          </p:cNvPr>
-          <p:cNvGrpSpPr/>
-          <p:nvPr/>
-        </p:nvGrpSpPr>
-        <p:grpSpPr>
-          <a:xfrm>
-            <a:off x="5486421" y="2342357"/>
-            <a:ext cx="6858000" cy="3429000"/>
-            <a:chOff x="5486421" y="2342357"/>
-            <a:chExt cx="6858000" cy="3429000"/>
-          </a:xfrm>
-        </p:grpSpPr>
-        <p:pic>
-          <p:nvPicPr>
-            <p:cNvPr id="8" name="Picture 7" descr="Chart, histogram&#10;&#10;Description automatically generated">
-              <a:extLst>
-                <a:ext uri="{FF2B5EF4-FFF2-40B4-BE49-F238E27FC236}">
-                  <a16:creationId xmlns:a16="http://schemas.microsoft.com/office/drawing/2014/main" id="{8D0BE94E-6C30-9A4A-BA1E-754A27640AD2}"/>
-                </a:ext>
-              </a:extLst>
-            </p:cNvPr>
-            <p:cNvPicPr>
-              <a:picLocks noChangeAspect="1"/>
-            </p:cNvPicPr>
-            <p:nvPr/>
-          </p:nvPicPr>
-          <p:blipFill>
-            <a:blip r:embed="rId2"/>
-            <a:stretch>
-              <a:fillRect/>
-            </a:stretch>
-          </p:blipFill>
-          <p:spPr>
-            <a:xfrm>
-              <a:off x="5486421" y="2342357"/>
-              <a:ext cx="6858000" cy="3429000"/>
-            </a:xfrm>
-            <a:prstGeom prst="rect">
-              <a:avLst/>
-            </a:prstGeom>
-          </p:spPr>
-        </p:pic>
-        <p:sp>
-          <p:nvSpPr>
-            <p:cNvPr id="10" name="TextBox 9">
-              <a:extLst>
-                <a:ext uri="{FF2B5EF4-FFF2-40B4-BE49-F238E27FC236}">
-                  <a16:creationId xmlns:a16="http://schemas.microsoft.com/office/drawing/2014/main" id="{53562CE7-F7C2-194E-BC05-FECAC08E53DE}"/>
-                </a:ext>
-              </a:extLst>
-            </p:cNvPr>
-            <p:cNvSpPr txBox="1"/>
-            <p:nvPr/>
-          </p:nvSpPr>
-          <p:spPr>
-            <a:xfrm>
-              <a:off x="7729559" y="2471737"/>
-              <a:ext cx="2371725" cy="276999"/>
-            </a:xfrm>
-            <a:prstGeom prst="rect">
-              <a:avLst/>
-            </a:prstGeom>
-            <a:solidFill>
-              <a:schemeClr val="bg1"/>
-            </a:solidFill>
-          </p:spPr>
-          <p:txBody>
-            <a:bodyPr wrap="square" rtlCol="0">
-              <a:spAutoFit/>
-            </a:bodyPr>
-            <a:lstStyle/>
-            <a:p>
-              <a:pPr algn="ctr"/>
-              <a:r>
-                <a:rPr lang="en-US" sz="1200" dirty="0"/>
-                <a:t>North American Mortality Rates</a:t>
-              </a:r>
-            </a:p>
-          </p:txBody>
-        </p:sp>
-      </p:grpSp>
-      <p:grpSp>
-        <p:nvGrpSpPr>
           <p:cNvPr id="15" name="Group 14">
             <a:extLst>
               <a:ext uri="{FF2B5EF4-FFF2-40B4-BE49-F238E27FC236}">
@@ -6203,7 +6605,7 @@
             <p:nvPr/>
           </p:nvPicPr>
           <p:blipFill>
-            <a:blip r:embed="rId3"/>
+            <a:blip r:embed="rId2"/>
             <a:stretch>
               <a:fillRect/>
             </a:stretch>
@@ -6292,7 +6694,7 @@
           <p:cNvPr id="2" name="Title 1">
             <a:extLst>
               <a:ext uri="{FF2B5EF4-FFF2-40B4-BE49-F238E27FC236}">
-                <a16:creationId xmlns:a16="http://schemas.microsoft.com/office/drawing/2014/main" id="{2DD80C5F-6550-D447-AF8D-5C9818EB6D6F}"/>
+                <a16:creationId xmlns:a16="http://schemas.microsoft.com/office/drawing/2014/main" id="{CAB74897-336D-B142-B77E-C196E2C9320A}"/>
               </a:ext>
             </a:extLst>
           </p:cNvPr>
@@ -6320,7 +6722,7 @@
           <p:cNvPr id="3" name="Content Placeholder 2">
             <a:extLst>
               <a:ext uri="{FF2B5EF4-FFF2-40B4-BE49-F238E27FC236}">
-                <a16:creationId xmlns:a16="http://schemas.microsoft.com/office/drawing/2014/main" id="{5EE18536-EB70-7542-B2D5-74FE9ADEE509}"/>
+                <a16:creationId xmlns:a16="http://schemas.microsoft.com/office/drawing/2014/main" id="{56044EF0-078B-4048-A24D-4E096B9BD7C6}"/>
               </a:ext>
             </a:extLst>
           </p:cNvPr>
@@ -6336,30 +6738,16 @@
           <a:bodyPr/>
           <a:lstStyle/>
           <a:p>
-            <a:r>
-              <a:rPr lang="en-US" dirty="0"/>
-              <a:t>* Present and discuss interesting figures developed during analysis, ideally with the help of </a:t>
-            </a:r>
-            <a:r>
-              <a:rPr lang="en-US" dirty="0" err="1"/>
-              <a:t>Jupyter</a:t>
-            </a:r>
-            <a:r>
-              <a:rPr lang="en-US" dirty="0"/>
-              <a:t> Notebook Do any of the provided demographic statistics have strong correlations with infection or mortality rate?</a:t>
-            </a:r>
-          </a:p>
-          <a:p>
-            <a:endParaRPr lang="en-US" dirty="0"/>
-          </a:p>
-        </p:txBody>
-      </p:sp>
-      <p:sp>
-        <p:nvSpPr>
-          <p:cNvPr id="5" name="Date Placeholder 4">
-            <a:extLst>
-              <a:ext uri="{FF2B5EF4-FFF2-40B4-BE49-F238E27FC236}">
-                <a16:creationId xmlns:a16="http://schemas.microsoft.com/office/drawing/2014/main" id="{108DF1BC-1C40-5D4B-A154-9CB8EF287003}"/>
+            <a:endParaRPr lang="en-US"/>
+          </a:p>
+        </p:txBody>
+      </p:sp>
+      <p:sp>
+        <p:nvSpPr>
+          <p:cNvPr id="4" name="Date Placeholder 3">
+            <a:extLst>
+              <a:ext uri="{FF2B5EF4-FFF2-40B4-BE49-F238E27FC236}">
+                <a16:creationId xmlns:a16="http://schemas.microsoft.com/office/drawing/2014/main" id="{29F51645-EE2A-D742-93E0-D72280302690}"/>
               </a:ext>
             </a:extLst>
           </p:cNvPr>
@@ -6375,7 +6763,7 @@
           <a:bodyPr/>
           <a:lstStyle/>
           <a:p>
-            <a:fld id="{0C5A02C5-D8B9-DC40-AE7F-070B899EF35C}" type="datetime1">
+            <a:fld id="{A409A287-AB84-2B48-8941-6388C7B9D3BC}" type="datetime1">
               <a:rPr lang="en-US" smtClean="0"/>
               <a:t>5/4/21</a:t>
             </a:fld>
@@ -6385,10 +6773,10 @@
       </p:sp>
       <p:grpSp>
         <p:nvGrpSpPr>
-          <p:cNvPr id="9" name="Group 8">
-            <a:extLst>
-              <a:ext uri="{FF2B5EF4-FFF2-40B4-BE49-F238E27FC236}">
-                <a16:creationId xmlns:a16="http://schemas.microsoft.com/office/drawing/2014/main" id="{268ECA6E-FDE9-F24B-85EE-44C7705B9FB1}"/>
+          <p:cNvPr id="5" name="Group 4">
+            <a:extLst>
+              <a:ext uri="{FF2B5EF4-FFF2-40B4-BE49-F238E27FC236}">
+                <a16:creationId xmlns:a16="http://schemas.microsoft.com/office/drawing/2014/main" id="{736A11CF-B1EF-DA46-A1BD-80A2CF720114}"/>
               </a:ext>
             </a:extLst>
           </p:cNvPr>
@@ -6397,18 +6785,18 @@
         </p:nvGrpSpPr>
         <p:grpSpPr>
           <a:xfrm>
-            <a:off x="7601555" y="2280717"/>
-            <a:ext cx="4773167" cy="2398727"/>
-            <a:chOff x="7601555" y="2280717"/>
-            <a:chExt cx="4773167" cy="2398727"/>
+            <a:off x="5486421" y="2342357"/>
+            <a:ext cx="6858000" cy="3429000"/>
+            <a:chOff x="5486421" y="2342357"/>
+            <a:chExt cx="6858000" cy="3429000"/>
           </a:xfrm>
         </p:grpSpPr>
         <p:pic>
           <p:nvPicPr>
-            <p:cNvPr id="14" name="Picture 13" descr="Chart, scatter chart&#10;&#10;Description automatically generated">
+            <p:cNvPr id="6" name="Picture 5" descr="Chart, histogram&#10;&#10;Description automatically generated">
               <a:extLst>
                 <a:ext uri="{FF2B5EF4-FFF2-40B4-BE49-F238E27FC236}">
-                  <a16:creationId xmlns:a16="http://schemas.microsoft.com/office/drawing/2014/main" id="{34113DA2-D516-254A-9008-32AE6214A25E}"/>
+                  <a16:creationId xmlns:a16="http://schemas.microsoft.com/office/drawing/2014/main" id="{62BA621C-9AC0-414A-8D05-63ED2DE6C6C8}"/>
                 </a:ext>
               </a:extLst>
             </p:cNvPr>
@@ -6425,8 +6813,8 @@
           </p:blipFill>
           <p:spPr>
             <a:xfrm>
-              <a:off x="7601555" y="2292860"/>
-              <a:ext cx="4773167" cy="2386584"/>
+              <a:off x="5486421" y="2342357"/>
+              <a:ext cx="6858000" cy="3429000"/>
             </a:xfrm>
             <a:prstGeom prst="rect">
               <a:avLst/>
@@ -6435,10 +6823,10 @@
         </p:pic>
         <p:sp>
           <p:nvSpPr>
-            <p:cNvPr id="11" name="TextBox 10">
+            <p:cNvPr id="7" name="TextBox 6">
               <a:extLst>
                 <a:ext uri="{FF2B5EF4-FFF2-40B4-BE49-F238E27FC236}">
-                  <a16:creationId xmlns:a16="http://schemas.microsoft.com/office/drawing/2014/main" id="{86B3C95F-0097-A84A-A1BB-96F60C7DC624}"/>
+                  <a16:creationId xmlns:a16="http://schemas.microsoft.com/office/drawing/2014/main" id="{071A899D-0EC4-C848-845F-20B684726C5B}"/>
                 </a:ext>
               </a:extLst>
             </p:cNvPr>
@@ -6447,8 +6835,8 @@
           </p:nvSpPr>
           <p:spPr>
             <a:xfrm>
-              <a:off x="8345086" y="2280717"/>
-              <a:ext cx="3286104" cy="276999"/>
+              <a:off x="7729559" y="2471737"/>
+              <a:ext cx="2371725" cy="276999"/>
             </a:xfrm>
             <a:prstGeom prst="rect">
               <a:avLst/>
@@ -6466,12 +6854,138 @@
               <a:pPr algn="ctr"/>
               <a:r>
                 <a:rPr lang="en-US" sz="1200" dirty="0"/>
-                <a:t>Population Density vs. Mortality Rate</a:t>
+                <a:t>North American Mortality Rates</a:t>
               </a:r>
             </a:p>
           </p:txBody>
         </p:sp>
       </p:grpSp>
+    </p:spTree>
+    <p:extLst>
+      <p:ext uri="{BB962C8B-B14F-4D97-AF65-F5344CB8AC3E}">
+        <p14:creationId xmlns:p14="http://schemas.microsoft.com/office/powerpoint/2010/main" val="4048860142"/>
+      </p:ext>
+    </p:extLst>
+  </p:cSld>
+  <p:clrMapOvr>
+    <a:masterClrMapping/>
+  </p:clrMapOvr>
+</p:sld>
+</file>
+
+<file path=ppt/slides/slide8.xml><?xml version="1.0" encoding="utf-8"?>
+<p:sld xmlns:a="http://schemas.openxmlformats.org/drawingml/2006/main" xmlns:r="http://schemas.openxmlformats.org/officeDocument/2006/relationships" xmlns:p="http://schemas.openxmlformats.org/presentationml/2006/main">
+  <p:cSld>
+    <p:spTree>
+      <p:nvGrpSpPr>
+        <p:cNvPr id="1" name=""/>
+        <p:cNvGrpSpPr/>
+        <p:nvPr/>
+      </p:nvGrpSpPr>
+      <p:grpSpPr>
+        <a:xfrm>
+          <a:off x="0" y="0"/>
+          <a:ext cx="0" cy="0"/>
+          <a:chOff x="0" y="0"/>
+          <a:chExt cx="0" cy="0"/>
+        </a:xfrm>
+      </p:grpSpPr>
+      <p:sp>
+        <p:nvSpPr>
+          <p:cNvPr id="2" name="Title 1">
+            <a:extLst>
+              <a:ext uri="{FF2B5EF4-FFF2-40B4-BE49-F238E27FC236}">
+                <a16:creationId xmlns:a16="http://schemas.microsoft.com/office/drawing/2014/main" id="{2DD80C5F-6550-D447-AF8D-5C9818EB6D6F}"/>
+              </a:ext>
+            </a:extLst>
+          </p:cNvPr>
+          <p:cNvSpPr>
+            <a:spLocks noGrp="1"/>
+          </p:cNvSpPr>
+          <p:nvPr>
+            <p:ph type="title"/>
+          </p:nvPr>
+        </p:nvSpPr>
+        <p:spPr/>
+        <p:txBody>
+          <a:bodyPr/>
+          <a:lstStyle/>
+          <a:p>
+            <a:r>
+              <a:rPr lang="en-US" dirty="0"/>
+              <a:t>Data Analysis</a:t>
+            </a:r>
+          </a:p>
+        </p:txBody>
+      </p:sp>
+      <p:sp>
+        <p:nvSpPr>
+          <p:cNvPr id="3" name="Content Placeholder 2">
+            <a:extLst>
+              <a:ext uri="{FF2B5EF4-FFF2-40B4-BE49-F238E27FC236}">
+                <a16:creationId xmlns:a16="http://schemas.microsoft.com/office/drawing/2014/main" id="{5EE18536-EB70-7542-B2D5-74FE9ADEE509}"/>
+              </a:ext>
+            </a:extLst>
+          </p:cNvPr>
+          <p:cNvSpPr>
+            <a:spLocks noGrp="1"/>
+          </p:cNvSpPr>
+          <p:nvPr>
+            <p:ph idx="1"/>
+          </p:nvPr>
+        </p:nvSpPr>
+        <p:spPr/>
+        <p:txBody>
+          <a:bodyPr/>
+          <a:lstStyle/>
+          <a:p>
+            <a:r>
+              <a:rPr lang="en-US" dirty="0"/>
+              <a:t>* Present and discuss interesting figures developed during analysis, ideally with the help of </a:t>
+            </a:r>
+            <a:r>
+              <a:rPr lang="en-US" dirty="0" err="1"/>
+              <a:t>Jupyter</a:t>
+            </a:r>
+            <a:r>
+              <a:rPr lang="en-US" dirty="0"/>
+              <a:t> Notebook Do any of the provided demographic statistics have strong correlations with infection or mortality rate?</a:t>
+            </a:r>
+          </a:p>
+          <a:p>
+            <a:endParaRPr lang="en-US" dirty="0"/>
+          </a:p>
+        </p:txBody>
+      </p:sp>
+      <p:sp>
+        <p:nvSpPr>
+          <p:cNvPr id="5" name="Date Placeholder 4">
+            <a:extLst>
+              <a:ext uri="{FF2B5EF4-FFF2-40B4-BE49-F238E27FC236}">
+                <a16:creationId xmlns:a16="http://schemas.microsoft.com/office/drawing/2014/main" id="{108DF1BC-1C40-5D4B-A154-9CB8EF287003}"/>
+              </a:ext>
+            </a:extLst>
+          </p:cNvPr>
+          <p:cNvSpPr>
+            <a:spLocks noGrp="1"/>
+          </p:cNvSpPr>
+          <p:nvPr>
+            <p:ph type="dt" sz="half" idx="10"/>
+          </p:nvPr>
+        </p:nvSpPr>
+        <p:spPr/>
+        <p:txBody>
+          <a:bodyPr/>
+          <a:lstStyle/>
+          <a:p>
+            <a:fld id="{0C5A02C5-D8B9-DC40-AE7F-070B899EF35C}" type="datetime1">
+              <a:rPr lang="en-US" smtClean="0"/>
+              <a:t>5/4/21</a:t>
+            </a:fld>
+            <a:endParaRPr lang="en-US"/>
+          </a:p>
+        </p:txBody>
+      </p:sp>
       <p:grpSp>
         <p:nvGrpSpPr>
           <p:cNvPr id="4" name="Group 3">
@@ -6507,7 +7021,7 @@
             <p:nvPr/>
           </p:nvPicPr>
           <p:blipFill>
-            <a:blip r:embed="rId3"/>
+            <a:blip r:embed="rId2"/>
             <a:stretch>
               <a:fillRect/>
             </a:stretch>
@@ -6561,6 +7075,132 @@
           </p:txBody>
         </p:sp>
       </p:grpSp>
+    </p:spTree>
+    <p:extLst>
+      <p:ext uri="{BB962C8B-B14F-4D97-AF65-F5344CB8AC3E}">
+        <p14:creationId xmlns:p14="http://schemas.microsoft.com/office/powerpoint/2010/main" val="391112317"/>
+      </p:ext>
+    </p:extLst>
+  </p:cSld>
+  <p:clrMapOvr>
+    <a:masterClrMapping/>
+  </p:clrMapOvr>
+</p:sld>
+</file>
+
+<file path=ppt/slides/slide9.xml><?xml version="1.0" encoding="utf-8"?>
+<p:sld xmlns:a="http://schemas.openxmlformats.org/drawingml/2006/main" xmlns:r="http://schemas.openxmlformats.org/officeDocument/2006/relationships" xmlns:p="http://schemas.openxmlformats.org/presentationml/2006/main">
+  <p:cSld>
+    <p:spTree>
+      <p:nvGrpSpPr>
+        <p:cNvPr id="1" name=""/>
+        <p:cNvGrpSpPr/>
+        <p:nvPr/>
+      </p:nvGrpSpPr>
+      <p:grpSpPr>
+        <a:xfrm>
+          <a:off x="0" y="0"/>
+          <a:ext cx="0" cy="0"/>
+          <a:chOff x="0" y="0"/>
+          <a:chExt cx="0" cy="0"/>
+        </a:xfrm>
+      </p:grpSpPr>
+      <p:sp>
+        <p:nvSpPr>
+          <p:cNvPr id="2" name="Title 1">
+            <a:extLst>
+              <a:ext uri="{FF2B5EF4-FFF2-40B4-BE49-F238E27FC236}">
+                <a16:creationId xmlns:a16="http://schemas.microsoft.com/office/drawing/2014/main" id="{2DD80C5F-6550-D447-AF8D-5C9818EB6D6F}"/>
+              </a:ext>
+            </a:extLst>
+          </p:cNvPr>
+          <p:cNvSpPr>
+            <a:spLocks noGrp="1"/>
+          </p:cNvSpPr>
+          <p:nvPr>
+            <p:ph type="title"/>
+          </p:nvPr>
+        </p:nvSpPr>
+        <p:spPr/>
+        <p:txBody>
+          <a:bodyPr/>
+          <a:lstStyle/>
+          <a:p>
+            <a:r>
+              <a:rPr lang="en-US" dirty="0"/>
+              <a:t>Data Analysis</a:t>
+            </a:r>
+          </a:p>
+        </p:txBody>
+      </p:sp>
+      <p:sp>
+        <p:nvSpPr>
+          <p:cNvPr id="3" name="Content Placeholder 2">
+            <a:extLst>
+              <a:ext uri="{FF2B5EF4-FFF2-40B4-BE49-F238E27FC236}">
+                <a16:creationId xmlns:a16="http://schemas.microsoft.com/office/drawing/2014/main" id="{5EE18536-EB70-7542-B2D5-74FE9ADEE509}"/>
+              </a:ext>
+            </a:extLst>
+          </p:cNvPr>
+          <p:cNvSpPr>
+            <a:spLocks noGrp="1"/>
+          </p:cNvSpPr>
+          <p:nvPr>
+            <p:ph idx="1"/>
+          </p:nvPr>
+        </p:nvSpPr>
+        <p:spPr/>
+        <p:txBody>
+          <a:bodyPr/>
+          <a:lstStyle/>
+          <a:p>
+            <a:r>
+              <a:rPr lang="en-US" dirty="0"/>
+              <a:t>* Present and discuss interesting figures developed during analysis, ideally with the help of </a:t>
+            </a:r>
+            <a:r>
+              <a:rPr lang="en-US" dirty="0" err="1"/>
+              <a:t>Jupyter</a:t>
+            </a:r>
+            <a:r>
+              <a:rPr lang="en-US" dirty="0"/>
+              <a:t> Notebook Do any of the provided demographic statistics have strong correlations with infection or mortality rate?</a:t>
+            </a:r>
+          </a:p>
+          <a:p>
+            <a:endParaRPr lang="en-US" dirty="0"/>
+          </a:p>
+        </p:txBody>
+      </p:sp>
+      <p:sp>
+        <p:nvSpPr>
+          <p:cNvPr id="5" name="Date Placeholder 4">
+            <a:extLst>
+              <a:ext uri="{FF2B5EF4-FFF2-40B4-BE49-F238E27FC236}">
+                <a16:creationId xmlns:a16="http://schemas.microsoft.com/office/drawing/2014/main" id="{108DF1BC-1C40-5D4B-A154-9CB8EF287003}"/>
+              </a:ext>
+            </a:extLst>
+          </p:cNvPr>
+          <p:cNvSpPr>
+            <a:spLocks noGrp="1"/>
+          </p:cNvSpPr>
+          <p:nvPr>
+            <p:ph type="dt" sz="half" idx="10"/>
+          </p:nvPr>
+        </p:nvSpPr>
+        <p:spPr/>
+        <p:txBody>
+          <a:bodyPr/>
+          <a:lstStyle/>
+          <a:p>
+            <a:fld id="{0C5A02C5-D8B9-DC40-AE7F-070B899EF35C}" type="datetime1">
+              <a:rPr lang="en-US" smtClean="0"/>
+              <a:t>5/4/21</a:t>
+            </a:fld>
+            <a:endParaRPr lang="en-US"/>
+          </a:p>
+        </p:txBody>
+      </p:sp>
       <p:grpSp>
         <p:nvGrpSpPr>
           <p:cNvPr id="7" name="Group 6">
@@ -6596,7 +7236,7 @@
             <p:nvPr/>
           </p:nvPicPr>
           <p:blipFill>
-            <a:blip r:embed="rId4"/>
+            <a:blip r:embed="rId2"/>
             <a:stretch>
               <a:fillRect/>
             </a:stretch>
@@ -6653,251 +7293,7 @@
     </p:spTree>
     <p:extLst>
       <p:ext uri="{BB962C8B-B14F-4D97-AF65-F5344CB8AC3E}">
-        <p14:creationId xmlns:p14="http://schemas.microsoft.com/office/powerpoint/2010/main" val="391112317"/>
-      </p:ext>
-    </p:extLst>
-  </p:cSld>
-  <p:clrMapOvr>
-    <a:masterClrMapping/>
-  </p:clrMapOvr>
-</p:sld>
-</file>
-
-<file path=ppt/slides/slide8.xml><?xml version="1.0" encoding="utf-8"?>
-<p:sld xmlns:a="http://schemas.openxmlformats.org/drawingml/2006/main" xmlns:r="http://schemas.openxmlformats.org/officeDocument/2006/relationships" xmlns:p="http://schemas.openxmlformats.org/presentationml/2006/main">
-  <p:cSld>
-    <p:spTree>
-      <p:nvGrpSpPr>
-        <p:cNvPr id="1" name=""/>
-        <p:cNvGrpSpPr/>
-        <p:nvPr/>
-      </p:nvGrpSpPr>
-      <p:grpSpPr>
-        <a:xfrm>
-          <a:off x="0" y="0"/>
-          <a:ext cx="0" cy="0"/>
-          <a:chOff x="0" y="0"/>
-          <a:chExt cx="0" cy="0"/>
-        </a:xfrm>
-      </p:grpSpPr>
-      <p:sp>
-        <p:nvSpPr>
-          <p:cNvPr id="2" name="Title 1">
-            <a:extLst>
-              <a:ext uri="{FF2B5EF4-FFF2-40B4-BE49-F238E27FC236}">
-                <a16:creationId xmlns:a16="http://schemas.microsoft.com/office/drawing/2014/main" id="{2DD80C5F-6550-D447-AF8D-5C9818EB6D6F}"/>
-              </a:ext>
-            </a:extLst>
-          </p:cNvPr>
-          <p:cNvSpPr>
-            <a:spLocks noGrp="1"/>
-          </p:cNvSpPr>
-          <p:nvPr>
-            <p:ph type="title"/>
-          </p:nvPr>
-        </p:nvSpPr>
-        <p:spPr/>
-        <p:txBody>
-          <a:bodyPr/>
-          <a:lstStyle/>
-          <a:p>
-            <a:r>
-              <a:rPr lang="en-US" dirty="0"/>
-              <a:t>Data Analysis</a:t>
-            </a:r>
-          </a:p>
-        </p:txBody>
-      </p:sp>
-      <p:sp>
-        <p:nvSpPr>
-          <p:cNvPr id="3" name="Content Placeholder 2">
-            <a:extLst>
-              <a:ext uri="{FF2B5EF4-FFF2-40B4-BE49-F238E27FC236}">
-                <a16:creationId xmlns:a16="http://schemas.microsoft.com/office/drawing/2014/main" id="{5EE18536-EB70-7542-B2D5-74FE9ADEE509}"/>
-              </a:ext>
-            </a:extLst>
-          </p:cNvPr>
-          <p:cNvSpPr>
-            <a:spLocks noGrp="1"/>
-          </p:cNvSpPr>
-          <p:nvPr>
-            <p:ph idx="1"/>
-          </p:nvPr>
-        </p:nvSpPr>
-        <p:spPr/>
-        <p:txBody>
-          <a:bodyPr/>
-          <a:lstStyle/>
-          <a:p>
-            <a:r>
-              <a:rPr lang="en-US" dirty="0"/>
-              <a:t>* Present and discuss interesting figures developed during analysis, ideally with the help of </a:t>
-            </a:r>
-            <a:r>
-              <a:rPr lang="en-US" dirty="0" err="1"/>
-              <a:t>Jupyter</a:t>
-            </a:r>
-            <a:r>
-              <a:rPr lang="en-US" dirty="0"/>
-              <a:t> Notebook Can discrepancies between infection rate and mortality rate—such as a country with a high infection rate but a low mortality rate—be explained based on the given statistics?</a:t>
-            </a:r>
-          </a:p>
-          <a:p>
-            <a:endParaRPr lang="en-US" dirty="0"/>
-          </a:p>
-        </p:txBody>
-      </p:sp>
-      <p:sp>
-        <p:nvSpPr>
-          <p:cNvPr id="5" name="Date Placeholder 4">
-            <a:extLst>
-              <a:ext uri="{FF2B5EF4-FFF2-40B4-BE49-F238E27FC236}">
-                <a16:creationId xmlns:a16="http://schemas.microsoft.com/office/drawing/2014/main" id="{108DF1BC-1C40-5D4B-A154-9CB8EF287003}"/>
-              </a:ext>
-            </a:extLst>
-          </p:cNvPr>
-          <p:cNvSpPr>
-            <a:spLocks noGrp="1"/>
-          </p:cNvSpPr>
-          <p:nvPr>
-            <p:ph type="dt" sz="half" idx="10"/>
-          </p:nvPr>
-        </p:nvSpPr>
-        <p:spPr/>
-        <p:txBody>
-          <a:bodyPr/>
-          <a:lstStyle/>
-          <a:p>
-            <a:fld id="{0C5A02C5-D8B9-DC40-AE7F-070B899EF35C}" type="datetime1">
-              <a:rPr lang="en-US" smtClean="0"/>
-              <a:t>5/4/21</a:t>
-            </a:fld>
-            <a:endParaRPr lang="en-US"/>
-          </a:p>
-        </p:txBody>
-      </p:sp>
-    </p:spTree>
-    <p:extLst>
-      <p:ext uri="{BB962C8B-B14F-4D97-AF65-F5344CB8AC3E}">
-        <p14:creationId xmlns:p14="http://schemas.microsoft.com/office/powerpoint/2010/main" val="2424631559"/>
-      </p:ext>
-    </p:extLst>
-  </p:cSld>
-  <p:clrMapOvr>
-    <a:masterClrMapping/>
-  </p:clrMapOvr>
-</p:sld>
-</file>
-
-<file path=ppt/slides/slide9.xml><?xml version="1.0" encoding="utf-8"?>
-<p:sld xmlns:a="http://schemas.openxmlformats.org/drawingml/2006/main" xmlns:r="http://schemas.openxmlformats.org/officeDocument/2006/relationships" xmlns:p="http://schemas.openxmlformats.org/presentationml/2006/main">
-  <p:cSld>
-    <p:spTree>
-      <p:nvGrpSpPr>
-        <p:cNvPr id="1" name=""/>
-        <p:cNvGrpSpPr/>
-        <p:nvPr/>
-      </p:nvGrpSpPr>
-      <p:grpSpPr>
-        <a:xfrm>
-          <a:off x="0" y="0"/>
-          <a:ext cx="0" cy="0"/>
-          <a:chOff x="0" y="0"/>
-          <a:chExt cx="0" cy="0"/>
-        </a:xfrm>
-      </p:grpSpPr>
-      <p:sp>
-        <p:nvSpPr>
-          <p:cNvPr id="2" name="Title 1">
-            <a:extLst>
-              <a:ext uri="{FF2B5EF4-FFF2-40B4-BE49-F238E27FC236}">
-                <a16:creationId xmlns:a16="http://schemas.microsoft.com/office/drawing/2014/main" id="{8994DD14-2607-3542-83C2-341C5E0AF3F1}"/>
-              </a:ext>
-            </a:extLst>
-          </p:cNvPr>
-          <p:cNvSpPr>
-            <a:spLocks noGrp="1"/>
-          </p:cNvSpPr>
-          <p:nvPr>
-            <p:ph type="title"/>
-          </p:nvPr>
-        </p:nvSpPr>
-        <p:spPr/>
-        <p:txBody>
-          <a:bodyPr/>
-          <a:lstStyle/>
-          <a:p>
-            <a:r>
-              <a:rPr lang="en-US" dirty="0"/>
-              <a:t>Discussion</a:t>
-            </a:r>
-          </a:p>
-        </p:txBody>
-      </p:sp>
-      <p:sp>
-        <p:nvSpPr>
-          <p:cNvPr id="3" name="Content Placeholder 2">
-            <a:extLst>
-              <a:ext uri="{FF2B5EF4-FFF2-40B4-BE49-F238E27FC236}">
-                <a16:creationId xmlns:a16="http://schemas.microsoft.com/office/drawing/2014/main" id="{ABE2B146-F3ED-2541-9E7C-00423746D70F}"/>
-              </a:ext>
-            </a:extLst>
-          </p:cNvPr>
-          <p:cNvSpPr>
-            <a:spLocks noGrp="1"/>
-          </p:cNvSpPr>
-          <p:nvPr>
-            <p:ph idx="1"/>
-          </p:nvPr>
-        </p:nvSpPr>
-        <p:spPr/>
-        <p:txBody>
-          <a:bodyPr/>
-          <a:lstStyle/>
-          <a:p>
-            <a:r>
-              <a:rPr lang="en-US" dirty="0"/>
-              <a:t>* Discuss your findings. Did you find what you expected to find? If not, why not? What inferences or general conclusions can you draw from your analysis? </a:t>
-            </a:r>
-          </a:p>
-          <a:p>
-            <a:endParaRPr lang="en-US" dirty="0"/>
-          </a:p>
-        </p:txBody>
-      </p:sp>
-      <p:sp>
-        <p:nvSpPr>
-          <p:cNvPr id="5" name="Date Placeholder 4">
-            <a:extLst>
-              <a:ext uri="{FF2B5EF4-FFF2-40B4-BE49-F238E27FC236}">
-                <a16:creationId xmlns:a16="http://schemas.microsoft.com/office/drawing/2014/main" id="{08A2A5FB-0B98-164D-AE5F-09B8A41C4E67}"/>
-              </a:ext>
-            </a:extLst>
-          </p:cNvPr>
-          <p:cNvSpPr>
-            <a:spLocks noGrp="1"/>
-          </p:cNvSpPr>
-          <p:nvPr>
-            <p:ph type="dt" sz="half" idx="10"/>
-          </p:nvPr>
-        </p:nvSpPr>
-        <p:spPr/>
-        <p:txBody>
-          <a:bodyPr/>
-          <a:lstStyle/>
-          <a:p>
-            <a:fld id="{6CEC29A3-46B9-D849-806C-72872CA2C4DD}" type="datetime1">
-              <a:rPr lang="en-US" smtClean="0"/>
-              <a:t>5/4/21</a:t>
-            </a:fld>
-            <a:endParaRPr lang="en-US"/>
-          </a:p>
-        </p:txBody>
-      </p:sp>
-    </p:spTree>
-    <p:extLst>
-      <p:ext uri="{BB962C8B-B14F-4D97-AF65-F5344CB8AC3E}">
-        <p14:creationId xmlns:p14="http://schemas.microsoft.com/office/powerpoint/2010/main" val="2770733020"/>
+        <p14:creationId xmlns:p14="http://schemas.microsoft.com/office/powerpoint/2010/main" val="1837102630"/>
       </p:ext>
     </p:extLst>
   </p:cSld>
